--- a/2DGP 기획발표.pptx
+++ b/2DGP 기획발표.pptx
@@ -12,6 +12,12 @@
     <p:sldId id="265" r:id="rId9"/>
     <p:sldId id="260" r:id="rId10"/>
     <p:sldId id="266" r:id="rId11"/>
+    <p:sldId id="267" r:id="rId12"/>
+    <p:sldId id="269" r:id="rId13"/>
+    <p:sldId id="268" r:id="rId14"/>
+    <p:sldId id="271" r:id="rId15"/>
+    <p:sldId id="272" r:id="rId16"/>
+    <p:sldId id="270" r:id="rId17"/>
   </p:sldIdLst>
   <p:sldSz cx="12192000" cy="6858000"/>
   <p:notesSz cx="6858000" cy="9144000"/>
@@ -110,6 +116,11 @@
       </a:defRPr>
     </a:lvl9pPr>
   </p:defaultTextStyle>
+  <p:extLst>
+    <p:ext uri="{EFAFB233-063F-42B5-8137-9DF3F51BA10A}">
+      <p15:sldGuideLst xmlns:p15="http://schemas.microsoft.com/office/powerpoint/2012/main"/>
+    </p:ext>
+  </p:extLst>
 </p:presentation>
 </file>
 
@@ -260,7 +271,7 @@
           <a:p>
             <a:fld id="{51F54193-7AA2-4942-9B97-A4038D1D9C92}" type="datetimeFigureOut">
               <a:rPr lang="ko-KR" altLang="en-US" smtClean="0"/>
-              <a:t>2023-10-15</a:t>
+              <a:t>2023-10-16</a:t>
             </a:fld>
             <a:endParaRPr lang="ko-KR" altLang="en-US"/>
           </a:p>
@@ -458,7 +469,7 @@
           <a:p>
             <a:fld id="{51F54193-7AA2-4942-9B97-A4038D1D9C92}" type="datetimeFigureOut">
               <a:rPr lang="ko-KR" altLang="en-US" smtClean="0"/>
-              <a:t>2023-10-15</a:t>
+              <a:t>2023-10-16</a:t>
             </a:fld>
             <a:endParaRPr lang="ko-KR" altLang="en-US"/>
           </a:p>
@@ -666,7 +677,7 @@
           <a:p>
             <a:fld id="{51F54193-7AA2-4942-9B97-A4038D1D9C92}" type="datetimeFigureOut">
               <a:rPr lang="ko-KR" altLang="en-US" smtClean="0"/>
-              <a:t>2023-10-15</a:t>
+              <a:t>2023-10-16</a:t>
             </a:fld>
             <a:endParaRPr lang="ko-KR" altLang="en-US"/>
           </a:p>
@@ -864,7 +875,7 @@
           <a:p>
             <a:fld id="{51F54193-7AA2-4942-9B97-A4038D1D9C92}" type="datetimeFigureOut">
               <a:rPr lang="ko-KR" altLang="en-US" smtClean="0"/>
-              <a:t>2023-10-15</a:t>
+              <a:t>2023-10-16</a:t>
             </a:fld>
             <a:endParaRPr lang="ko-KR" altLang="en-US"/>
           </a:p>
@@ -1139,7 +1150,7 @@
           <a:p>
             <a:fld id="{51F54193-7AA2-4942-9B97-A4038D1D9C92}" type="datetimeFigureOut">
               <a:rPr lang="ko-KR" altLang="en-US" smtClean="0"/>
-              <a:t>2023-10-15</a:t>
+              <a:t>2023-10-16</a:t>
             </a:fld>
             <a:endParaRPr lang="ko-KR" altLang="en-US"/>
           </a:p>
@@ -1404,7 +1415,7 @@
           <a:p>
             <a:fld id="{51F54193-7AA2-4942-9B97-A4038D1D9C92}" type="datetimeFigureOut">
               <a:rPr lang="ko-KR" altLang="en-US" smtClean="0"/>
-              <a:t>2023-10-15</a:t>
+              <a:t>2023-10-16</a:t>
             </a:fld>
             <a:endParaRPr lang="ko-KR" altLang="en-US"/>
           </a:p>
@@ -1816,7 +1827,7 @@
           <a:p>
             <a:fld id="{51F54193-7AA2-4942-9B97-A4038D1D9C92}" type="datetimeFigureOut">
               <a:rPr lang="ko-KR" altLang="en-US" smtClean="0"/>
-              <a:t>2023-10-15</a:t>
+              <a:t>2023-10-16</a:t>
             </a:fld>
             <a:endParaRPr lang="ko-KR" altLang="en-US"/>
           </a:p>
@@ -1957,7 +1968,7 @@
           <a:p>
             <a:fld id="{51F54193-7AA2-4942-9B97-A4038D1D9C92}" type="datetimeFigureOut">
               <a:rPr lang="ko-KR" altLang="en-US" smtClean="0"/>
-              <a:t>2023-10-15</a:t>
+              <a:t>2023-10-16</a:t>
             </a:fld>
             <a:endParaRPr lang="ko-KR" altLang="en-US"/>
           </a:p>
@@ -2070,7 +2081,7 @@
           <a:p>
             <a:fld id="{51F54193-7AA2-4942-9B97-A4038D1D9C92}" type="datetimeFigureOut">
               <a:rPr lang="ko-KR" altLang="en-US" smtClean="0"/>
-              <a:t>2023-10-15</a:t>
+              <a:t>2023-10-16</a:t>
             </a:fld>
             <a:endParaRPr lang="ko-KR" altLang="en-US"/>
           </a:p>
@@ -2381,7 +2392,7 @@
           <a:p>
             <a:fld id="{51F54193-7AA2-4942-9B97-A4038D1D9C92}" type="datetimeFigureOut">
               <a:rPr lang="ko-KR" altLang="en-US" smtClean="0"/>
-              <a:t>2023-10-15</a:t>
+              <a:t>2023-10-16</a:t>
             </a:fld>
             <a:endParaRPr lang="ko-KR" altLang="en-US"/>
           </a:p>
@@ -2669,7 +2680,7 @@
           <a:p>
             <a:fld id="{51F54193-7AA2-4942-9B97-A4038D1D9C92}" type="datetimeFigureOut">
               <a:rPr lang="ko-KR" altLang="en-US" smtClean="0"/>
-              <a:t>2023-10-15</a:t>
+              <a:t>2023-10-16</a:t>
             </a:fld>
             <a:endParaRPr lang="ko-KR" altLang="en-US"/>
           </a:p>
@@ -2910,7 +2921,7 @@
           <a:p>
             <a:fld id="{51F54193-7AA2-4942-9B97-A4038D1D9C92}" type="datetimeFigureOut">
               <a:rPr lang="ko-KR" altLang="en-US" smtClean="0"/>
-              <a:t>2023-10-15</a:t>
+              <a:t>2023-10-16</a:t>
             </a:fld>
             <a:endParaRPr lang="ko-KR" altLang="en-US"/>
           </a:p>
@@ -3564,7 +3575,7 @@
                 <a:latin typeface="스스로넷 설립체" panose="00000500000000000000" pitchFamily="2" charset="-127"/>
                 <a:ea typeface="스스로넷 설립체" panose="00000500000000000000" pitchFamily="2" charset="-127"/>
               </a:rPr>
-              <a:t>2023-1</a:t>
+              <a:t>2023-2</a:t>
             </a:r>
             <a:r>
               <a:rPr lang="ko-KR" altLang="en-US">
@@ -3651,6 +3662,1556 @@
     <p:extLst>
       <p:ext uri="{BB962C8B-B14F-4D97-AF65-F5344CB8AC3E}">
         <p14:creationId xmlns:p14="http://schemas.microsoft.com/office/powerpoint/2010/main" val="123551486"/>
+      </p:ext>
+    </p:extLst>
+  </p:cSld>
+  <p:clrMapOvr>
+    <a:masterClrMapping/>
+  </p:clrMapOvr>
+</p:sld>
+</file>
+
+<file path=ppt/slides/slide10.xml><?xml version="1.0" encoding="utf-8"?>
+<p:sld xmlns:a="http://schemas.openxmlformats.org/drawingml/2006/main" xmlns:r="http://schemas.openxmlformats.org/officeDocument/2006/relationships" xmlns:p="http://schemas.openxmlformats.org/presentationml/2006/main">
+  <p:cSld>
+    <p:bg>
+      <p:bgPr>
+        <a:solidFill>
+          <a:srgbClr val="9999FF"/>
+        </a:solidFill>
+        <a:effectLst/>
+      </p:bgPr>
+    </p:bg>
+    <p:spTree>
+      <p:nvGrpSpPr>
+        <p:cNvPr id="1" name=""/>
+        <p:cNvGrpSpPr/>
+        <p:nvPr/>
+      </p:nvGrpSpPr>
+      <p:grpSpPr>
+        <a:xfrm>
+          <a:off x="0" y="0"/>
+          <a:ext cx="0" cy="0"/>
+          <a:chOff x="0" y="0"/>
+          <a:chExt cx="0" cy="0"/>
+        </a:xfrm>
+      </p:grpSpPr>
+      <p:sp>
+        <p:nvSpPr>
+          <p:cNvPr id="2" name="사각형: 둥근 모서리 1">
+            <a:extLst>
+              <a:ext uri="{FF2B5EF4-FFF2-40B4-BE49-F238E27FC236}">
+                <a16:creationId xmlns:a16="http://schemas.microsoft.com/office/drawing/2014/main" id="{CB368EFB-A5AB-2701-DAF7-E64CE8551316}"/>
+              </a:ext>
+            </a:extLst>
+          </p:cNvPr>
+          <p:cNvSpPr/>
+          <p:nvPr/>
+        </p:nvSpPr>
+        <p:spPr>
+          <a:xfrm>
+            <a:off x="1033673" y="679784"/>
+            <a:ext cx="10118558" cy="5498432"/>
+          </a:xfrm>
+          <a:prstGeom prst="roundRect">
+            <a:avLst/>
+          </a:prstGeom>
+          <a:solidFill>
+            <a:schemeClr val="bg1">
+              <a:alpha val="70000"/>
+            </a:schemeClr>
+          </a:solidFill>
+          <a:ln>
+            <a:solidFill>
+              <a:schemeClr val="tx1"/>
+            </a:solidFill>
+          </a:ln>
+        </p:spPr>
+        <p:style>
+          <a:lnRef idx="2">
+            <a:schemeClr val="dk1"/>
+          </a:lnRef>
+          <a:fillRef idx="1">
+            <a:schemeClr val="lt1"/>
+          </a:fillRef>
+          <a:effectRef idx="0">
+            <a:schemeClr val="dk1"/>
+          </a:effectRef>
+          <a:fontRef idx="minor">
+            <a:schemeClr val="dk1"/>
+          </a:fontRef>
+        </p:style>
+        <p:txBody>
+          <a:bodyPr rtlCol="0" anchor="t"/>
+          <a:lstStyle/>
+          <a:p>
+            <a:pPr>
+              <a:lnSpc>
+                <a:spcPct val="150000"/>
+              </a:lnSpc>
+            </a:pPr>
+            <a:r>
+              <a:rPr lang="en-US" altLang="ko-KR" sz="2400">
+                <a:ln w="12700">
+                  <a:noFill/>
+                </a:ln>
+                <a:latin typeface="스스로넷 설립체" panose="00000500000000000000" pitchFamily="2" charset="-127"/>
+                <a:ea typeface="스스로넷 설립체" panose="00000500000000000000" pitchFamily="2" charset="-127"/>
+              </a:rPr>
+              <a:t>4-2. </a:t>
+            </a:r>
+            <a:r>
+              <a:rPr lang="ko-KR" altLang="en-US" sz="2400">
+                <a:ln w="12700">
+                  <a:noFill/>
+                </a:ln>
+                <a:latin typeface="스스로넷 설립체" panose="00000500000000000000" pitchFamily="2" charset="-127"/>
+                <a:ea typeface="스스로넷 설립체" panose="00000500000000000000" pitchFamily="2" charset="-127"/>
+              </a:rPr>
+              <a:t>보스 및 아이템</a:t>
+            </a:r>
+            <a:endParaRPr lang="en-US" altLang="ko-KR" sz="2400">
+              <a:ln w="12700">
+                <a:noFill/>
+              </a:ln>
+              <a:latin typeface="스스로넷 설립체" panose="00000500000000000000" pitchFamily="2" charset="-127"/>
+              <a:ea typeface="스스로넷 설립체" panose="00000500000000000000" pitchFamily="2" charset="-127"/>
+            </a:endParaRPr>
+          </a:p>
+          <a:p>
+            <a:pPr>
+              <a:lnSpc>
+                <a:spcPct val="150000"/>
+              </a:lnSpc>
+            </a:pPr>
+            <a:endParaRPr lang="en-US" altLang="ko-KR" sz="2400">
+              <a:ln w="12700">
+                <a:noFill/>
+              </a:ln>
+              <a:latin typeface="스스로넷 설립체" panose="00000500000000000000" pitchFamily="2" charset="-127"/>
+              <a:ea typeface="스스로넷 설립체" panose="00000500000000000000" pitchFamily="2" charset="-127"/>
+            </a:endParaRPr>
+          </a:p>
+          <a:p>
+            <a:pPr>
+              <a:lnSpc>
+                <a:spcPct val="150000"/>
+              </a:lnSpc>
+            </a:pPr>
+            <a:endParaRPr lang="en-US" altLang="ko-KR" sz="2400">
+              <a:ln w="12700">
+                <a:noFill/>
+              </a:ln>
+              <a:latin typeface="스스로넷 설립체" panose="00000500000000000000" pitchFamily="2" charset="-127"/>
+              <a:ea typeface="스스로넷 설립체" panose="00000500000000000000" pitchFamily="2" charset="-127"/>
+            </a:endParaRPr>
+          </a:p>
+        </p:txBody>
+      </p:sp>
+      <p:pic>
+        <p:nvPicPr>
+          <p:cNvPr id="12" name="그림 11" descr="텍스트, 스크린샷, 폰트, 득점판이(가) 표시된 사진&#10;&#10;자동 생성된 설명">
+            <a:extLst>
+              <a:ext uri="{FF2B5EF4-FFF2-40B4-BE49-F238E27FC236}">
+                <a16:creationId xmlns:a16="http://schemas.microsoft.com/office/drawing/2014/main" id="{19DABF19-F379-538A-2EDE-4D2ACE129E8A}"/>
+              </a:ext>
+            </a:extLst>
+          </p:cNvPr>
+          <p:cNvPicPr>
+            <a:picLocks noChangeAspect="1"/>
+          </p:cNvPicPr>
+          <p:nvPr/>
+        </p:nvPicPr>
+        <p:blipFill>
+          <a:blip r:embed="rId2">
+            <a:extLst>
+              <a:ext uri="{28A0092B-C50C-407E-A947-70E740481C1C}">
+                <a14:useLocalDpi xmlns:a14="http://schemas.microsoft.com/office/drawing/2010/main" val="0"/>
+              </a:ext>
+            </a:extLst>
+          </a:blip>
+          <a:stretch>
+            <a:fillRect/>
+          </a:stretch>
+        </p:blipFill>
+        <p:spPr>
+          <a:xfrm>
+            <a:off x="2436308" y="1784195"/>
+            <a:ext cx="2403321" cy="3845314"/>
+          </a:xfrm>
+          <a:prstGeom prst="rect">
+            <a:avLst/>
+          </a:prstGeom>
+        </p:spPr>
+      </p:pic>
+      <p:sp>
+        <p:nvSpPr>
+          <p:cNvPr id="20" name="TextBox 19">
+            <a:extLst>
+              <a:ext uri="{FF2B5EF4-FFF2-40B4-BE49-F238E27FC236}">
+                <a16:creationId xmlns:a16="http://schemas.microsoft.com/office/drawing/2014/main" id="{54F27DB7-5FE7-3192-1AE9-100FBBA44F56}"/>
+              </a:ext>
+            </a:extLst>
+          </p:cNvPr>
+          <p:cNvSpPr txBox="1"/>
+          <p:nvPr/>
+        </p:nvSpPr>
+        <p:spPr>
+          <a:xfrm>
+            <a:off x="5410986" y="4138367"/>
+            <a:ext cx="4411745" cy="923330"/>
+          </a:xfrm>
+          <a:prstGeom prst="rect">
+            <a:avLst/>
+          </a:prstGeom>
+          <a:noFill/>
+        </p:spPr>
+        <p:txBody>
+          <a:bodyPr wrap="square" rtlCol="0">
+            <a:spAutoFit/>
+          </a:bodyPr>
+          <a:lstStyle/>
+          <a:p>
+            <a:r>
+              <a:rPr lang="en-US" altLang="ko-KR">
+                <a:latin typeface="스스로넷 설립체" panose="00000500000000000000" pitchFamily="2" charset="-127"/>
+                <a:ea typeface="스스로넷 설립체" panose="00000500000000000000" pitchFamily="2" charset="-127"/>
+              </a:rPr>
+              <a:t>3</a:t>
+            </a:r>
+            <a:r>
+              <a:rPr lang="ko-KR" altLang="en-US">
+                <a:latin typeface="스스로넷 설립체" panose="00000500000000000000" pitchFamily="2" charset="-127"/>
+                <a:ea typeface="스스로넷 설립체" panose="00000500000000000000" pitchFamily="2" charset="-127"/>
+              </a:rPr>
+              <a:t>개의 보스 스테이지가 존재하며</a:t>
+            </a:r>
+            <a:r>
+              <a:rPr lang="en-US" altLang="ko-KR">
+                <a:latin typeface="스스로넷 설립체" panose="00000500000000000000" pitchFamily="2" charset="-127"/>
+                <a:ea typeface="스스로넷 설립체" panose="00000500000000000000" pitchFamily="2" charset="-127"/>
+              </a:rPr>
+              <a:t>,</a:t>
+            </a:r>
+          </a:p>
+          <a:p>
+            <a:r>
+              <a:rPr lang="ko-KR" altLang="en-US">
+                <a:latin typeface="스스로넷 설립체" panose="00000500000000000000" pitchFamily="2" charset="-127"/>
+                <a:ea typeface="스스로넷 설립체" panose="00000500000000000000" pitchFamily="2" charset="-127"/>
+              </a:rPr>
+              <a:t>다음 스테이지는 게임에서 얻은 코인으로 해제할 수 있다</a:t>
+            </a:r>
+            <a:r>
+              <a:rPr lang="en-US" altLang="ko-KR">
+                <a:latin typeface="스스로넷 설립체" panose="00000500000000000000" pitchFamily="2" charset="-127"/>
+                <a:ea typeface="스스로넷 설립체" panose="00000500000000000000" pitchFamily="2" charset="-127"/>
+              </a:rPr>
+              <a:t>.</a:t>
+            </a:r>
+            <a:endParaRPr lang="ko-KR" altLang="en-US">
+              <a:latin typeface="스스로넷 설립체" panose="00000500000000000000" pitchFamily="2" charset="-127"/>
+              <a:ea typeface="스스로넷 설립체" panose="00000500000000000000" pitchFamily="2" charset="-127"/>
+            </a:endParaRPr>
+          </a:p>
+        </p:txBody>
+      </p:sp>
+      <p:pic>
+        <p:nvPicPr>
+          <p:cNvPr id="28" name="그림 27" descr="스크린샷, 사각형, 블랙, 대칭이(가) 표시된 사진&#10;&#10;자동 생성된 설명">
+            <a:extLst>
+              <a:ext uri="{FF2B5EF4-FFF2-40B4-BE49-F238E27FC236}">
+                <a16:creationId xmlns:a16="http://schemas.microsoft.com/office/drawing/2014/main" id="{3B4F75C2-A65C-C771-DBA4-00253DAA4392}"/>
+              </a:ext>
+            </a:extLst>
+          </p:cNvPr>
+          <p:cNvPicPr>
+            <a:picLocks noChangeAspect="1"/>
+          </p:cNvPicPr>
+          <p:nvPr/>
+        </p:nvPicPr>
+        <p:blipFill>
+          <a:blip r:embed="rId3">
+            <a:extLst>
+              <a:ext uri="{28A0092B-C50C-407E-A947-70E740481C1C}">
+                <a14:useLocalDpi xmlns:a14="http://schemas.microsoft.com/office/drawing/2010/main" val="0"/>
+              </a:ext>
+            </a:extLst>
+          </a:blip>
+          <a:stretch>
+            <a:fillRect/>
+          </a:stretch>
+        </p:blipFill>
+        <p:spPr>
+          <a:xfrm>
+            <a:off x="6927628" y="2400898"/>
+            <a:ext cx="1215368" cy="1305954"/>
+          </a:xfrm>
+          <a:prstGeom prst="rect">
+            <a:avLst/>
+          </a:prstGeom>
+        </p:spPr>
+      </p:pic>
+      <p:pic>
+        <p:nvPicPr>
+          <p:cNvPr id="30" name="그림 29" descr="다채로움, 사각형, 스크린샷, 마조렐 블루이(가) 표시된 사진&#10;&#10;자동 생성된 설명">
+            <a:extLst>
+              <a:ext uri="{FF2B5EF4-FFF2-40B4-BE49-F238E27FC236}">
+                <a16:creationId xmlns:a16="http://schemas.microsoft.com/office/drawing/2014/main" id="{5BBFEE7F-81F4-8D6A-8BC5-FA61CBA067DE}"/>
+              </a:ext>
+            </a:extLst>
+          </p:cNvPr>
+          <p:cNvPicPr>
+            <a:picLocks noChangeAspect="1"/>
+          </p:cNvPicPr>
+          <p:nvPr/>
+        </p:nvPicPr>
+        <p:blipFill>
+          <a:blip r:embed="rId4">
+            <a:extLst>
+              <a:ext uri="{28A0092B-C50C-407E-A947-70E740481C1C}">
+                <a14:useLocalDpi xmlns:a14="http://schemas.microsoft.com/office/drawing/2010/main" val="0"/>
+              </a:ext>
+            </a:extLst>
+          </a:blip>
+          <a:stretch>
+            <a:fillRect/>
+          </a:stretch>
+        </p:blipFill>
+        <p:spPr>
+          <a:xfrm>
+            <a:off x="5522089" y="2446191"/>
+            <a:ext cx="1215368" cy="1260661"/>
+          </a:xfrm>
+          <a:prstGeom prst="rect">
+            <a:avLst/>
+          </a:prstGeom>
+        </p:spPr>
+      </p:pic>
+      <p:pic>
+        <p:nvPicPr>
+          <p:cNvPr id="32" name="그림 31" descr="사각형, 다채로움, 대칭, 패턴이(가) 표시된 사진&#10;&#10;자동 생성된 설명">
+            <a:extLst>
+              <a:ext uri="{FF2B5EF4-FFF2-40B4-BE49-F238E27FC236}">
+                <a16:creationId xmlns:a16="http://schemas.microsoft.com/office/drawing/2014/main" id="{C5ABE7D3-9D7E-CA6D-1603-92A07644CE95}"/>
+              </a:ext>
+            </a:extLst>
+          </p:cNvPr>
+          <p:cNvPicPr>
+            <a:picLocks noChangeAspect="1"/>
+          </p:cNvPicPr>
+          <p:nvPr/>
+        </p:nvPicPr>
+        <p:blipFill>
+          <a:blip r:embed="rId5">
+            <a:extLst>
+              <a:ext uri="{28A0092B-C50C-407E-A947-70E740481C1C}">
+                <a14:useLocalDpi xmlns:a14="http://schemas.microsoft.com/office/drawing/2010/main" val="0"/>
+              </a:ext>
+            </a:extLst>
+          </a:blip>
+          <a:stretch>
+            <a:fillRect/>
+          </a:stretch>
+        </p:blipFill>
+        <p:spPr>
+          <a:xfrm>
+            <a:off x="8333167" y="2368871"/>
+            <a:ext cx="1215368" cy="1305954"/>
+          </a:xfrm>
+          <a:prstGeom prst="rect">
+            <a:avLst/>
+          </a:prstGeom>
+        </p:spPr>
+      </p:pic>
+    </p:spTree>
+    <p:extLst>
+      <p:ext uri="{BB962C8B-B14F-4D97-AF65-F5344CB8AC3E}">
+        <p14:creationId xmlns:p14="http://schemas.microsoft.com/office/powerpoint/2010/main" val="200032248"/>
+      </p:ext>
+    </p:extLst>
+  </p:cSld>
+  <p:clrMapOvr>
+    <a:masterClrMapping/>
+  </p:clrMapOvr>
+</p:sld>
+</file>
+
+<file path=ppt/slides/slide11.xml><?xml version="1.0" encoding="utf-8"?>
+<p:sld xmlns:a="http://schemas.openxmlformats.org/drawingml/2006/main" xmlns:r="http://schemas.openxmlformats.org/officeDocument/2006/relationships" xmlns:p="http://schemas.openxmlformats.org/presentationml/2006/main">
+  <p:cSld>
+    <p:bg>
+      <p:bgPr>
+        <a:solidFill>
+          <a:srgbClr val="9999FF"/>
+        </a:solidFill>
+        <a:effectLst/>
+      </p:bgPr>
+    </p:bg>
+    <p:spTree>
+      <p:nvGrpSpPr>
+        <p:cNvPr id="1" name=""/>
+        <p:cNvGrpSpPr/>
+        <p:nvPr/>
+      </p:nvGrpSpPr>
+      <p:grpSpPr>
+        <a:xfrm>
+          <a:off x="0" y="0"/>
+          <a:ext cx="0" cy="0"/>
+          <a:chOff x="0" y="0"/>
+          <a:chExt cx="0" cy="0"/>
+        </a:xfrm>
+      </p:grpSpPr>
+      <p:sp>
+        <p:nvSpPr>
+          <p:cNvPr id="2" name="사각형: 둥근 모서리 1">
+            <a:extLst>
+              <a:ext uri="{FF2B5EF4-FFF2-40B4-BE49-F238E27FC236}">
+                <a16:creationId xmlns:a16="http://schemas.microsoft.com/office/drawing/2014/main" id="{CB368EFB-A5AB-2701-DAF7-E64CE8551316}"/>
+              </a:ext>
+            </a:extLst>
+          </p:cNvPr>
+          <p:cNvSpPr/>
+          <p:nvPr/>
+        </p:nvSpPr>
+        <p:spPr>
+          <a:xfrm>
+            <a:off x="1033673" y="679784"/>
+            <a:ext cx="10118558" cy="5498432"/>
+          </a:xfrm>
+          <a:prstGeom prst="roundRect">
+            <a:avLst/>
+          </a:prstGeom>
+          <a:solidFill>
+            <a:schemeClr val="bg1">
+              <a:alpha val="70000"/>
+            </a:schemeClr>
+          </a:solidFill>
+          <a:ln>
+            <a:solidFill>
+              <a:schemeClr val="tx1"/>
+            </a:solidFill>
+          </a:ln>
+        </p:spPr>
+        <p:style>
+          <a:lnRef idx="2">
+            <a:schemeClr val="dk1"/>
+          </a:lnRef>
+          <a:fillRef idx="1">
+            <a:schemeClr val="lt1"/>
+          </a:fillRef>
+          <a:effectRef idx="0">
+            <a:schemeClr val="dk1"/>
+          </a:effectRef>
+          <a:fontRef idx="minor">
+            <a:schemeClr val="dk1"/>
+          </a:fontRef>
+        </p:style>
+        <p:txBody>
+          <a:bodyPr rtlCol="0" anchor="t"/>
+          <a:lstStyle/>
+          <a:p>
+            <a:pPr>
+              <a:lnSpc>
+                <a:spcPct val="150000"/>
+              </a:lnSpc>
+            </a:pPr>
+            <a:r>
+              <a:rPr lang="en-US" altLang="ko-KR" sz="2400">
+                <a:ln w="12700">
+                  <a:noFill/>
+                </a:ln>
+                <a:latin typeface="스스로넷 설립체" panose="00000500000000000000" pitchFamily="2" charset="-127"/>
+                <a:ea typeface="스스로넷 설립체" panose="00000500000000000000" pitchFamily="2" charset="-127"/>
+              </a:rPr>
+              <a:t>4-2. </a:t>
+            </a:r>
+            <a:r>
+              <a:rPr lang="ko-KR" altLang="en-US" sz="2400">
+                <a:ln w="12700">
+                  <a:noFill/>
+                </a:ln>
+                <a:latin typeface="스스로넷 설립체" panose="00000500000000000000" pitchFamily="2" charset="-127"/>
+                <a:ea typeface="스스로넷 설립체" panose="00000500000000000000" pitchFamily="2" charset="-127"/>
+              </a:rPr>
+              <a:t>보스 및 아이템</a:t>
+            </a:r>
+            <a:endParaRPr lang="en-US" altLang="ko-KR" sz="2400">
+              <a:ln w="12700">
+                <a:noFill/>
+              </a:ln>
+              <a:latin typeface="스스로넷 설립체" panose="00000500000000000000" pitchFamily="2" charset="-127"/>
+              <a:ea typeface="스스로넷 설립체" panose="00000500000000000000" pitchFamily="2" charset="-127"/>
+            </a:endParaRPr>
+          </a:p>
+          <a:p>
+            <a:pPr>
+              <a:lnSpc>
+                <a:spcPct val="150000"/>
+              </a:lnSpc>
+            </a:pPr>
+            <a:endParaRPr lang="en-US" altLang="ko-KR" sz="2400">
+              <a:ln w="12700">
+                <a:noFill/>
+              </a:ln>
+              <a:latin typeface="스스로넷 설립체" panose="00000500000000000000" pitchFamily="2" charset="-127"/>
+              <a:ea typeface="스스로넷 설립체" panose="00000500000000000000" pitchFamily="2" charset="-127"/>
+            </a:endParaRPr>
+          </a:p>
+          <a:p>
+            <a:pPr>
+              <a:lnSpc>
+                <a:spcPct val="150000"/>
+              </a:lnSpc>
+            </a:pPr>
+            <a:endParaRPr lang="en-US" altLang="ko-KR" sz="2400">
+              <a:ln w="12700">
+                <a:noFill/>
+              </a:ln>
+              <a:latin typeface="스스로넷 설립체" panose="00000500000000000000" pitchFamily="2" charset="-127"/>
+              <a:ea typeface="스스로넷 설립체" panose="00000500000000000000" pitchFamily="2" charset="-127"/>
+            </a:endParaRPr>
+          </a:p>
+        </p:txBody>
+      </p:sp>
+      <p:sp>
+        <p:nvSpPr>
+          <p:cNvPr id="20" name="TextBox 19">
+            <a:extLst>
+              <a:ext uri="{FF2B5EF4-FFF2-40B4-BE49-F238E27FC236}">
+                <a16:creationId xmlns:a16="http://schemas.microsoft.com/office/drawing/2014/main" id="{54F27DB7-5FE7-3192-1AE9-100FBBA44F56}"/>
+              </a:ext>
+            </a:extLst>
+          </p:cNvPr>
+          <p:cNvSpPr txBox="1"/>
+          <p:nvPr/>
+        </p:nvSpPr>
+        <p:spPr>
+          <a:xfrm>
+            <a:off x="5496603" y="4169014"/>
+            <a:ext cx="4411745" cy="646331"/>
+          </a:xfrm>
+          <a:prstGeom prst="rect">
+            <a:avLst/>
+          </a:prstGeom>
+          <a:noFill/>
+        </p:spPr>
+        <p:txBody>
+          <a:bodyPr wrap="square" rtlCol="0">
+            <a:spAutoFit/>
+          </a:bodyPr>
+          <a:lstStyle/>
+          <a:p>
+            <a:r>
+              <a:rPr lang="ko-KR" altLang="en-US">
+                <a:latin typeface="스스로넷 설립체" panose="00000500000000000000" pitchFamily="2" charset="-127"/>
+                <a:ea typeface="스스로넷 설립체" panose="00000500000000000000" pitchFamily="2" charset="-127"/>
+              </a:rPr>
+              <a:t>게임에서 얻은 코인으로 </a:t>
+            </a:r>
+            <a:endParaRPr lang="en-US" altLang="ko-KR">
+              <a:latin typeface="스스로넷 설립체" panose="00000500000000000000" pitchFamily="2" charset="-127"/>
+              <a:ea typeface="스스로넷 설립체" panose="00000500000000000000" pitchFamily="2" charset="-127"/>
+            </a:endParaRPr>
+          </a:p>
+          <a:p>
+            <a:r>
+              <a:rPr lang="ko-KR" altLang="en-US">
+                <a:latin typeface="스스로넷 설립체" panose="00000500000000000000" pitchFamily="2" charset="-127"/>
+                <a:ea typeface="스스로넷 설립체" panose="00000500000000000000" pitchFamily="2" charset="-127"/>
+              </a:rPr>
+              <a:t>캐릭터의 코스튬을 구입할 수 있다</a:t>
+            </a:r>
+            <a:r>
+              <a:rPr lang="en-US" altLang="ko-KR">
+                <a:latin typeface="스스로넷 설립체" panose="00000500000000000000" pitchFamily="2" charset="-127"/>
+                <a:ea typeface="스스로넷 설립체" panose="00000500000000000000" pitchFamily="2" charset="-127"/>
+              </a:rPr>
+              <a:t>.</a:t>
+            </a:r>
+            <a:endParaRPr lang="ko-KR" altLang="en-US">
+              <a:latin typeface="스스로넷 설립체" panose="00000500000000000000" pitchFamily="2" charset="-127"/>
+              <a:ea typeface="스스로넷 설립체" panose="00000500000000000000" pitchFamily="2" charset="-127"/>
+            </a:endParaRPr>
+          </a:p>
+        </p:txBody>
+      </p:sp>
+      <p:pic>
+        <p:nvPicPr>
+          <p:cNvPr id="4" name="그림 3" descr="텍스트, 스크린샷, 폰트이(가) 표시된 사진&#10;&#10;자동 생성된 설명">
+            <a:extLst>
+              <a:ext uri="{FF2B5EF4-FFF2-40B4-BE49-F238E27FC236}">
+                <a16:creationId xmlns:a16="http://schemas.microsoft.com/office/drawing/2014/main" id="{68565234-6750-B0D8-2595-C6EE89C49AFB}"/>
+              </a:ext>
+            </a:extLst>
+          </p:cNvPr>
+          <p:cNvPicPr>
+            <a:picLocks noChangeAspect="1"/>
+          </p:cNvPicPr>
+          <p:nvPr/>
+        </p:nvPicPr>
+        <p:blipFill>
+          <a:blip r:embed="rId2">
+            <a:extLst>
+              <a:ext uri="{28A0092B-C50C-407E-A947-70E740481C1C}">
+                <a14:useLocalDpi xmlns:a14="http://schemas.microsoft.com/office/drawing/2010/main" val="0"/>
+              </a:ext>
+            </a:extLst>
+          </a:blip>
+          <a:stretch>
+            <a:fillRect/>
+          </a:stretch>
+        </p:blipFill>
+        <p:spPr>
+          <a:xfrm>
+            <a:off x="2432063" y="1784195"/>
+            <a:ext cx="2403321" cy="3845314"/>
+          </a:xfrm>
+          <a:prstGeom prst="rect">
+            <a:avLst/>
+          </a:prstGeom>
+        </p:spPr>
+      </p:pic>
+      <p:pic>
+        <p:nvPicPr>
+          <p:cNvPr id="8" name="그림 7" descr="스크린샷, 대칭이(가) 표시된 사진&#10;&#10;자동 생성된 설명">
+            <a:extLst>
+              <a:ext uri="{FF2B5EF4-FFF2-40B4-BE49-F238E27FC236}">
+                <a16:creationId xmlns:a16="http://schemas.microsoft.com/office/drawing/2014/main" id="{95E277E3-A851-5928-82B7-1121C3E8459B}"/>
+              </a:ext>
+            </a:extLst>
+          </p:cNvPr>
+          <p:cNvPicPr>
+            <a:picLocks noChangeAspect="1"/>
+          </p:cNvPicPr>
+          <p:nvPr/>
+        </p:nvPicPr>
+        <p:blipFill rotWithShape="1">
+          <a:blip r:embed="rId3">
+            <a:extLst>
+              <a:ext uri="{28A0092B-C50C-407E-A947-70E740481C1C}">
+                <a14:useLocalDpi xmlns:a14="http://schemas.microsoft.com/office/drawing/2010/main" val="0"/>
+              </a:ext>
+            </a:extLst>
+          </a:blip>
+          <a:srcRect l="43860" t="34914" r="38821" b="46804"/>
+          <a:stretch/>
+        </p:blipFill>
+        <p:spPr>
+          <a:xfrm>
+            <a:off x="6299762" y="2453087"/>
+            <a:ext cx="1187777" cy="1253765"/>
+          </a:xfrm>
+          <a:prstGeom prst="rect">
+            <a:avLst/>
+          </a:prstGeom>
+        </p:spPr>
+      </p:pic>
+      <p:pic>
+        <p:nvPicPr>
+          <p:cNvPr id="10" name="그림 9" descr="스크린샷이(가) 표시된 사진&#10;&#10;자동 생성된 설명">
+            <a:extLst>
+              <a:ext uri="{FF2B5EF4-FFF2-40B4-BE49-F238E27FC236}">
+                <a16:creationId xmlns:a16="http://schemas.microsoft.com/office/drawing/2014/main" id="{922D21B9-5D4F-1250-3908-F19C0D569861}"/>
+              </a:ext>
+            </a:extLst>
+          </p:cNvPr>
+          <p:cNvPicPr>
+            <a:picLocks noChangeAspect="1"/>
+          </p:cNvPicPr>
+          <p:nvPr/>
+        </p:nvPicPr>
+        <p:blipFill rotWithShape="1">
+          <a:blip r:embed="rId4">
+            <a:extLst>
+              <a:ext uri="{28A0092B-C50C-407E-A947-70E740481C1C}">
+                <a14:useLocalDpi xmlns:a14="http://schemas.microsoft.com/office/drawing/2010/main" val="0"/>
+              </a:ext>
+            </a:extLst>
+          </a:blip>
+          <a:srcRect l="46335" t="35189" r="40332" b="47491"/>
+          <a:stretch/>
+        </p:blipFill>
+        <p:spPr>
+          <a:xfrm>
+            <a:off x="5496603" y="2462514"/>
+            <a:ext cx="914400" cy="1187777"/>
+          </a:xfrm>
+          <a:prstGeom prst="rect">
+            <a:avLst/>
+          </a:prstGeom>
+        </p:spPr>
+      </p:pic>
+      <p:pic>
+        <p:nvPicPr>
+          <p:cNvPr id="13" name="그림 12" descr="스크린샷, 대칭, 스테인드 글라스, 창문이(가) 표시된 사진&#10;&#10;자동 생성된 설명">
+            <a:extLst>
+              <a:ext uri="{FF2B5EF4-FFF2-40B4-BE49-F238E27FC236}">
+                <a16:creationId xmlns:a16="http://schemas.microsoft.com/office/drawing/2014/main" id="{45C17FD7-D726-1E9B-AB53-C5890D23A1DB}"/>
+              </a:ext>
+            </a:extLst>
+          </p:cNvPr>
+          <p:cNvPicPr>
+            <a:picLocks noChangeAspect="1"/>
+          </p:cNvPicPr>
+          <p:nvPr/>
+        </p:nvPicPr>
+        <p:blipFill rotWithShape="1">
+          <a:blip r:embed="rId5">
+            <a:extLst>
+              <a:ext uri="{28A0092B-C50C-407E-A947-70E740481C1C}">
+                <a14:useLocalDpi xmlns:a14="http://schemas.microsoft.com/office/drawing/2010/main" val="0"/>
+              </a:ext>
+            </a:extLst>
+          </a:blip>
+          <a:srcRect l="45785" t="34913" r="40882" b="46805"/>
+          <a:stretch/>
+        </p:blipFill>
+        <p:spPr>
+          <a:xfrm>
+            <a:off x="7422606" y="2443661"/>
+            <a:ext cx="914400" cy="1253765"/>
+          </a:xfrm>
+          <a:prstGeom prst="rect">
+            <a:avLst/>
+          </a:prstGeom>
+        </p:spPr>
+      </p:pic>
+    </p:spTree>
+    <p:extLst>
+      <p:ext uri="{BB962C8B-B14F-4D97-AF65-F5344CB8AC3E}">
+        <p14:creationId xmlns:p14="http://schemas.microsoft.com/office/powerpoint/2010/main" val="1475695507"/>
+      </p:ext>
+    </p:extLst>
+  </p:cSld>
+  <p:clrMapOvr>
+    <a:masterClrMapping/>
+  </p:clrMapOvr>
+</p:sld>
+</file>
+
+<file path=ppt/slides/slide12.xml><?xml version="1.0" encoding="utf-8"?>
+<p:sld xmlns:a="http://schemas.openxmlformats.org/drawingml/2006/main" xmlns:r="http://schemas.openxmlformats.org/officeDocument/2006/relationships" xmlns:p="http://schemas.openxmlformats.org/presentationml/2006/main">
+  <p:cSld>
+    <p:bg>
+      <p:bgPr>
+        <a:solidFill>
+          <a:srgbClr val="9999FF"/>
+        </a:solidFill>
+        <a:effectLst/>
+      </p:bgPr>
+    </p:bg>
+    <p:spTree>
+      <p:nvGrpSpPr>
+        <p:cNvPr id="1" name=""/>
+        <p:cNvGrpSpPr/>
+        <p:nvPr/>
+      </p:nvGrpSpPr>
+      <p:grpSpPr>
+        <a:xfrm>
+          <a:off x="0" y="0"/>
+          <a:ext cx="0" cy="0"/>
+          <a:chOff x="0" y="0"/>
+          <a:chExt cx="0" cy="0"/>
+        </a:xfrm>
+      </p:grpSpPr>
+      <p:sp>
+        <p:nvSpPr>
+          <p:cNvPr id="2" name="사각형: 둥근 모서리 1">
+            <a:extLst>
+              <a:ext uri="{FF2B5EF4-FFF2-40B4-BE49-F238E27FC236}">
+                <a16:creationId xmlns:a16="http://schemas.microsoft.com/office/drawing/2014/main" id="{CB368EFB-A5AB-2701-DAF7-E64CE8551316}"/>
+              </a:ext>
+            </a:extLst>
+          </p:cNvPr>
+          <p:cNvSpPr/>
+          <p:nvPr/>
+        </p:nvSpPr>
+        <p:spPr>
+          <a:xfrm>
+            <a:off x="1033673" y="679784"/>
+            <a:ext cx="10118558" cy="5498432"/>
+          </a:xfrm>
+          <a:prstGeom prst="roundRect">
+            <a:avLst/>
+          </a:prstGeom>
+          <a:solidFill>
+            <a:schemeClr val="bg1">
+              <a:alpha val="70000"/>
+            </a:schemeClr>
+          </a:solidFill>
+          <a:ln>
+            <a:solidFill>
+              <a:schemeClr val="tx1"/>
+            </a:solidFill>
+          </a:ln>
+        </p:spPr>
+        <p:style>
+          <a:lnRef idx="2">
+            <a:schemeClr val="dk1"/>
+          </a:lnRef>
+          <a:fillRef idx="1">
+            <a:schemeClr val="lt1"/>
+          </a:fillRef>
+          <a:effectRef idx="0">
+            <a:schemeClr val="dk1"/>
+          </a:effectRef>
+          <a:fontRef idx="minor">
+            <a:schemeClr val="dk1"/>
+          </a:fontRef>
+        </p:style>
+        <p:txBody>
+          <a:bodyPr rtlCol="0" anchor="t"/>
+          <a:lstStyle/>
+          <a:p>
+            <a:pPr>
+              <a:lnSpc>
+                <a:spcPct val="150000"/>
+              </a:lnSpc>
+            </a:pPr>
+            <a:r>
+              <a:rPr lang="en-US" altLang="ko-KR" sz="2400">
+                <a:ln w="12700">
+                  <a:noFill/>
+                </a:ln>
+                <a:latin typeface="스스로넷 설립체" panose="00000500000000000000" pitchFamily="2" charset="-127"/>
+                <a:ea typeface="스스로넷 설립체" panose="00000500000000000000" pitchFamily="2" charset="-127"/>
+              </a:rPr>
+              <a:t>4-2. GUI</a:t>
+            </a:r>
+          </a:p>
+          <a:p>
+            <a:pPr>
+              <a:lnSpc>
+                <a:spcPct val="150000"/>
+              </a:lnSpc>
+            </a:pPr>
+            <a:endParaRPr lang="en-US" altLang="ko-KR" sz="2400">
+              <a:ln w="12700">
+                <a:noFill/>
+              </a:ln>
+              <a:latin typeface="스스로넷 설립체" panose="00000500000000000000" pitchFamily="2" charset="-127"/>
+              <a:ea typeface="스스로넷 설립체" panose="00000500000000000000" pitchFamily="2" charset="-127"/>
+            </a:endParaRPr>
+          </a:p>
+          <a:p>
+            <a:pPr>
+              <a:lnSpc>
+                <a:spcPct val="150000"/>
+              </a:lnSpc>
+            </a:pPr>
+            <a:endParaRPr lang="en-US" altLang="ko-KR" sz="2400">
+              <a:ln w="12700">
+                <a:noFill/>
+              </a:ln>
+              <a:latin typeface="스스로넷 설립체" panose="00000500000000000000" pitchFamily="2" charset="-127"/>
+              <a:ea typeface="스스로넷 설립체" panose="00000500000000000000" pitchFamily="2" charset="-127"/>
+            </a:endParaRPr>
+          </a:p>
+        </p:txBody>
+      </p:sp>
+      <p:pic>
+        <p:nvPicPr>
+          <p:cNvPr id="4" name="그림 3">
+            <a:extLst>
+              <a:ext uri="{FF2B5EF4-FFF2-40B4-BE49-F238E27FC236}">
+                <a16:creationId xmlns:a16="http://schemas.microsoft.com/office/drawing/2014/main" id="{C234026E-3CF6-E2AA-C046-1C7EFF09663F}"/>
+              </a:ext>
+            </a:extLst>
+          </p:cNvPr>
+          <p:cNvPicPr>
+            <a:picLocks noChangeAspect="1"/>
+          </p:cNvPicPr>
+          <p:nvPr/>
+        </p:nvPicPr>
+        <p:blipFill rotWithShape="1">
+          <a:blip r:embed="rId2"/>
+          <a:srcRect l="41057" t="7698" r="31881" b="7217"/>
+          <a:stretch/>
+        </p:blipFill>
+        <p:spPr>
+          <a:xfrm>
+            <a:off x="1424487" y="1768657"/>
+            <a:ext cx="2172003" cy="3841344"/>
+          </a:xfrm>
+          <a:prstGeom prst="rect">
+            <a:avLst/>
+          </a:prstGeom>
+        </p:spPr>
+      </p:pic>
+      <p:sp>
+        <p:nvSpPr>
+          <p:cNvPr id="3" name="TextBox 2">
+            <a:extLst>
+              <a:ext uri="{FF2B5EF4-FFF2-40B4-BE49-F238E27FC236}">
+                <a16:creationId xmlns:a16="http://schemas.microsoft.com/office/drawing/2014/main" id="{3BEB4C70-11A4-6E76-45A5-78C3028C264E}"/>
+              </a:ext>
+            </a:extLst>
+          </p:cNvPr>
+          <p:cNvSpPr txBox="1"/>
+          <p:nvPr/>
+        </p:nvSpPr>
+        <p:spPr>
+          <a:xfrm>
+            <a:off x="6149683" y="2018935"/>
+            <a:ext cx="4747846" cy="3340786"/>
+          </a:xfrm>
+          <a:prstGeom prst="rect">
+            <a:avLst/>
+          </a:prstGeom>
+          <a:noFill/>
+        </p:spPr>
+        <p:txBody>
+          <a:bodyPr wrap="square" rtlCol="0">
+            <a:spAutoFit/>
+          </a:bodyPr>
+          <a:lstStyle/>
+          <a:p>
+            <a:pPr marL="342900" indent="-342900">
+              <a:lnSpc>
+                <a:spcPct val="200000"/>
+              </a:lnSpc>
+              <a:buAutoNum type="arabicPeriod"/>
+            </a:pPr>
+            <a:r>
+              <a:rPr lang="ko-KR" altLang="en-US">
+                <a:latin typeface="스스로넷 설립체" panose="00000500000000000000" pitchFamily="2" charset="-127"/>
+                <a:ea typeface="스스로넷 설립체" panose="00000500000000000000" pitchFamily="2" charset="-127"/>
+              </a:rPr>
+              <a:t>인게임 화면</a:t>
+            </a:r>
+            <a:endParaRPr lang="en-US" altLang="ko-KR">
+              <a:latin typeface="스스로넷 설립체" panose="00000500000000000000" pitchFamily="2" charset="-127"/>
+              <a:ea typeface="스스로넷 설립체" panose="00000500000000000000" pitchFamily="2" charset="-127"/>
+            </a:endParaRPr>
+          </a:p>
+          <a:p>
+            <a:pPr>
+              <a:lnSpc>
+                <a:spcPct val="200000"/>
+              </a:lnSpc>
+            </a:pPr>
+            <a:endParaRPr lang="en-US" altLang="ko-KR">
+              <a:latin typeface="스스로넷 설립체" panose="00000500000000000000" pitchFamily="2" charset="-127"/>
+              <a:ea typeface="스스로넷 설립체" panose="00000500000000000000" pitchFamily="2" charset="-127"/>
+            </a:endParaRPr>
+          </a:p>
+          <a:p>
+            <a:pPr>
+              <a:lnSpc>
+                <a:spcPct val="200000"/>
+              </a:lnSpc>
+            </a:pPr>
+            <a:r>
+              <a:rPr lang="en-US" altLang="ko-KR">
+                <a:latin typeface="스스로넷 설립체" panose="00000500000000000000" pitchFamily="2" charset="-127"/>
+                <a:ea typeface="스스로넷 설립체" panose="00000500000000000000" pitchFamily="2" charset="-127"/>
+              </a:rPr>
+              <a:t>- </a:t>
+            </a:r>
+            <a:r>
+              <a:rPr lang="ko-KR" altLang="en-US">
+                <a:latin typeface="스스로넷 설립체" panose="00000500000000000000" pitchFamily="2" charset="-127"/>
+                <a:ea typeface="스스로넷 설립체" panose="00000500000000000000" pitchFamily="2" charset="-127"/>
+              </a:rPr>
+              <a:t>게임에 진입하고 </a:t>
+            </a:r>
+            <a:r>
+              <a:rPr lang="en-US" altLang="ko-KR">
+                <a:latin typeface="스스로넷 설립체" panose="00000500000000000000" pitchFamily="2" charset="-127"/>
+                <a:ea typeface="스스로넷 설립체" panose="00000500000000000000" pitchFamily="2" charset="-127"/>
+              </a:rPr>
+              <a:t>5</a:t>
+            </a:r>
+            <a:r>
+              <a:rPr lang="ko-KR" altLang="en-US">
+                <a:latin typeface="스스로넷 설립체" panose="00000500000000000000" pitchFamily="2" charset="-127"/>
+                <a:ea typeface="스스로넷 설립체" panose="00000500000000000000" pitchFamily="2" charset="-127"/>
+              </a:rPr>
+              <a:t>초가 지난 후 게임 시작</a:t>
+            </a:r>
+            <a:endParaRPr lang="en-US" altLang="ko-KR">
+              <a:latin typeface="스스로넷 설립체" panose="00000500000000000000" pitchFamily="2" charset="-127"/>
+              <a:ea typeface="스스로넷 설립체" panose="00000500000000000000" pitchFamily="2" charset="-127"/>
+            </a:endParaRPr>
+          </a:p>
+          <a:p>
+            <a:pPr>
+              <a:lnSpc>
+                <a:spcPct val="200000"/>
+              </a:lnSpc>
+            </a:pPr>
+            <a:r>
+              <a:rPr lang="en-US" altLang="ko-KR">
+                <a:latin typeface="스스로넷 설립체" panose="00000500000000000000" pitchFamily="2" charset="-127"/>
+                <a:ea typeface="스스로넷 설립체" panose="00000500000000000000" pitchFamily="2" charset="-127"/>
+              </a:rPr>
+              <a:t>- </a:t>
+            </a:r>
+            <a:r>
+              <a:rPr lang="ko-KR" altLang="en-US">
+                <a:latin typeface="스스로넷 설립체" panose="00000500000000000000" pitchFamily="2" charset="-127"/>
+                <a:ea typeface="스스로넷 설립체" panose="00000500000000000000" pitchFamily="2" charset="-127"/>
+              </a:rPr>
+              <a:t>달린 거리와 함께 획득한 코인을 표시</a:t>
+            </a:r>
+            <a:endParaRPr lang="en-US" altLang="ko-KR">
+              <a:latin typeface="스스로넷 설립체" panose="00000500000000000000" pitchFamily="2" charset="-127"/>
+              <a:ea typeface="스스로넷 설립체" panose="00000500000000000000" pitchFamily="2" charset="-127"/>
+            </a:endParaRPr>
+          </a:p>
+          <a:p>
+            <a:pPr>
+              <a:lnSpc>
+                <a:spcPct val="200000"/>
+              </a:lnSpc>
+            </a:pPr>
+            <a:r>
+              <a:rPr lang="en-US" altLang="ko-KR">
+                <a:latin typeface="스스로넷 설립체" panose="00000500000000000000" pitchFamily="2" charset="-127"/>
+                <a:ea typeface="스스로넷 설립체" panose="00000500000000000000" pitchFamily="2" charset="-127"/>
+              </a:rPr>
+              <a:t>- </a:t>
+            </a:r>
+            <a:r>
+              <a:rPr lang="ko-KR" altLang="en-US">
+                <a:latin typeface="스스로넷 설립체" panose="00000500000000000000" pitchFamily="2" charset="-127"/>
+                <a:ea typeface="스스로넷 설립체" panose="00000500000000000000" pitchFamily="2" charset="-127"/>
+              </a:rPr>
+              <a:t>왼쪽 상단에는 게임의 로고를 출력</a:t>
+            </a:r>
+            <a:endParaRPr lang="en-US" altLang="ko-KR">
+              <a:latin typeface="스스로넷 설립체" panose="00000500000000000000" pitchFamily="2" charset="-127"/>
+              <a:ea typeface="스스로넷 설립체" panose="00000500000000000000" pitchFamily="2" charset="-127"/>
+            </a:endParaRPr>
+          </a:p>
+          <a:p>
+            <a:pPr>
+              <a:lnSpc>
+                <a:spcPct val="200000"/>
+              </a:lnSpc>
+            </a:pPr>
+            <a:r>
+              <a:rPr lang="en-US" altLang="ko-KR">
+                <a:latin typeface="스스로넷 설립체" panose="00000500000000000000" pitchFamily="2" charset="-127"/>
+                <a:ea typeface="스스로넷 설립체" panose="00000500000000000000" pitchFamily="2" charset="-127"/>
+              </a:rPr>
+              <a:t>- </a:t>
+            </a:r>
+            <a:r>
+              <a:rPr lang="ko-KR" altLang="en-US">
+                <a:latin typeface="스스로넷 설립체" panose="00000500000000000000" pitchFamily="2" charset="-127"/>
+                <a:ea typeface="스스로넷 설립체" panose="00000500000000000000" pitchFamily="2" charset="-127"/>
+              </a:rPr>
+              <a:t>아이템 획득 시 중앙 상단에 아이템의 로고</a:t>
+            </a:r>
+          </a:p>
+        </p:txBody>
+      </p:sp>
+      <p:pic>
+        <p:nvPicPr>
+          <p:cNvPr id="7" name="그림 6">
+            <a:extLst>
+              <a:ext uri="{FF2B5EF4-FFF2-40B4-BE49-F238E27FC236}">
+                <a16:creationId xmlns:a16="http://schemas.microsoft.com/office/drawing/2014/main" id="{F30E4590-BAA5-D5A9-0592-B9A649BBB996}"/>
+              </a:ext>
+            </a:extLst>
+          </p:cNvPr>
+          <p:cNvPicPr>
+            <a:picLocks noChangeAspect="1"/>
+          </p:cNvPicPr>
+          <p:nvPr/>
+        </p:nvPicPr>
+        <p:blipFill rotWithShape="1">
+          <a:blip r:embed="rId3"/>
+          <a:srcRect l="30769" t="8205" r="44423" b="14530"/>
+          <a:stretch/>
+        </p:blipFill>
+        <p:spPr>
+          <a:xfrm>
+            <a:off x="3776774" y="1768657"/>
+            <a:ext cx="2192625" cy="3841343"/>
+          </a:xfrm>
+          <a:prstGeom prst="rect">
+            <a:avLst/>
+          </a:prstGeom>
+        </p:spPr>
+      </p:pic>
+    </p:spTree>
+    <p:extLst>
+      <p:ext uri="{BB962C8B-B14F-4D97-AF65-F5344CB8AC3E}">
+        <p14:creationId xmlns:p14="http://schemas.microsoft.com/office/powerpoint/2010/main" val="2903015557"/>
+      </p:ext>
+    </p:extLst>
+  </p:cSld>
+  <p:clrMapOvr>
+    <a:masterClrMapping/>
+  </p:clrMapOvr>
+</p:sld>
+</file>
+
+<file path=ppt/slides/slide13.xml><?xml version="1.0" encoding="utf-8"?>
+<p:sld xmlns:a="http://schemas.openxmlformats.org/drawingml/2006/main" xmlns:r="http://schemas.openxmlformats.org/officeDocument/2006/relationships" xmlns:p="http://schemas.openxmlformats.org/presentationml/2006/main">
+  <p:cSld>
+    <p:bg>
+      <p:bgPr>
+        <a:solidFill>
+          <a:srgbClr val="9999FF"/>
+        </a:solidFill>
+        <a:effectLst/>
+      </p:bgPr>
+    </p:bg>
+    <p:spTree>
+      <p:nvGrpSpPr>
+        <p:cNvPr id="1" name=""/>
+        <p:cNvGrpSpPr/>
+        <p:nvPr/>
+      </p:nvGrpSpPr>
+      <p:grpSpPr>
+        <a:xfrm>
+          <a:off x="0" y="0"/>
+          <a:ext cx="0" cy="0"/>
+          <a:chOff x="0" y="0"/>
+          <a:chExt cx="0" cy="0"/>
+        </a:xfrm>
+      </p:grpSpPr>
+      <p:sp>
+        <p:nvSpPr>
+          <p:cNvPr id="2" name="사각형: 둥근 모서리 1">
+            <a:extLst>
+              <a:ext uri="{FF2B5EF4-FFF2-40B4-BE49-F238E27FC236}">
+                <a16:creationId xmlns:a16="http://schemas.microsoft.com/office/drawing/2014/main" id="{CB368EFB-A5AB-2701-DAF7-E64CE8551316}"/>
+              </a:ext>
+            </a:extLst>
+          </p:cNvPr>
+          <p:cNvSpPr/>
+          <p:nvPr/>
+        </p:nvSpPr>
+        <p:spPr>
+          <a:xfrm>
+            <a:off x="1033673" y="679784"/>
+            <a:ext cx="10118558" cy="5498432"/>
+          </a:xfrm>
+          <a:prstGeom prst="roundRect">
+            <a:avLst/>
+          </a:prstGeom>
+          <a:solidFill>
+            <a:schemeClr val="bg1">
+              <a:alpha val="70000"/>
+            </a:schemeClr>
+          </a:solidFill>
+          <a:ln>
+            <a:solidFill>
+              <a:schemeClr val="tx1"/>
+            </a:solidFill>
+          </a:ln>
+        </p:spPr>
+        <p:style>
+          <a:lnRef idx="2">
+            <a:schemeClr val="dk1"/>
+          </a:lnRef>
+          <a:fillRef idx="1">
+            <a:schemeClr val="lt1"/>
+          </a:fillRef>
+          <a:effectRef idx="0">
+            <a:schemeClr val="dk1"/>
+          </a:effectRef>
+          <a:fontRef idx="minor">
+            <a:schemeClr val="dk1"/>
+          </a:fontRef>
+        </p:style>
+        <p:txBody>
+          <a:bodyPr rtlCol="0" anchor="t"/>
+          <a:lstStyle/>
+          <a:p>
+            <a:pPr>
+              <a:lnSpc>
+                <a:spcPct val="150000"/>
+              </a:lnSpc>
+            </a:pPr>
+            <a:r>
+              <a:rPr lang="en-US" altLang="ko-KR" sz="2400">
+                <a:ln w="12700">
+                  <a:noFill/>
+                </a:ln>
+                <a:latin typeface="스스로넷 설립체" panose="00000500000000000000" pitchFamily="2" charset="-127"/>
+                <a:ea typeface="스스로넷 설립체" panose="00000500000000000000" pitchFamily="2" charset="-127"/>
+              </a:rPr>
+              <a:t>4-2. GUI</a:t>
+            </a:r>
+          </a:p>
+          <a:p>
+            <a:pPr>
+              <a:lnSpc>
+                <a:spcPct val="150000"/>
+              </a:lnSpc>
+            </a:pPr>
+            <a:endParaRPr lang="en-US" altLang="ko-KR" sz="2400">
+              <a:ln w="12700">
+                <a:noFill/>
+              </a:ln>
+              <a:latin typeface="스스로넷 설립체" panose="00000500000000000000" pitchFamily="2" charset="-127"/>
+              <a:ea typeface="스스로넷 설립체" panose="00000500000000000000" pitchFamily="2" charset="-127"/>
+            </a:endParaRPr>
+          </a:p>
+          <a:p>
+            <a:pPr>
+              <a:lnSpc>
+                <a:spcPct val="150000"/>
+              </a:lnSpc>
+            </a:pPr>
+            <a:endParaRPr lang="en-US" altLang="ko-KR" sz="2400">
+              <a:ln w="12700">
+                <a:noFill/>
+              </a:ln>
+              <a:latin typeface="스스로넷 설립체" panose="00000500000000000000" pitchFamily="2" charset="-127"/>
+              <a:ea typeface="스스로넷 설립체" panose="00000500000000000000" pitchFamily="2" charset="-127"/>
+            </a:endParaRPr>
+          </a:p>
+        </p:txBody>
+      </p:sp>
+      <p:pic>
+        <p:nvPicPr>
+          <p:cNvPr id="6" name="그림 5" descr="텍스트, 스크린샷, 폰트, 디스플레이이(가) 표시된 사진&#10;&#10;자동 생성된 설명">
+            <a:extLst>
+              <a:ext uri="{FF2B5EF4-FFF2-40B4-BE49-F238E27FC236}">
+                <a16:creationId xmlns:a16="http://schemas.microsoft.com/office/drawing/2014/main" id="{43F626A2-0A30-D98D-0DE2-4179CE212E93}"/>
+              </a:ext>
+            </a:extLst>
+          </p:cNvPr>
+          <p:cNvPicPr>
+            <a:picLocks noChangeAspect="1"/>
+          </p:cNvPicPr>
+          <p:nvPr/>
+        </p:nvPicPr>
+        <p:blipFill>
+          <a:blip r:embed="rId2">
+            <a:extLst>
+              <a:ext uri="{28A0092B-C50C-407E-A947-70E740481C1C}">
+                <a14:useLocalDpi xmlns:a14="http://schemas.microsoft.com/office/drawing/2010/main" val="0"/>
+              </a:ext>
+            </a:extLst>
+          </a:blip>
+          <a:stretch>
+            <a:fillRect/>
+          </a:stretch>
+        </p:blipFill>
+        <p:spPr>
+          <a:xfrm>
+            <a:off x="2067805" y="1662486"/>
+            <a:ext cx="2680093" cy="4288148"/>
+          </a:xfrm>
+          <a:prstGeom prst="rect">
+            <a:avLst/>
+          </a:prstGeom>
+        </p:spPr>
+      </p:pic>
+      <p:pic>
+        <p:nvPicPr>
+          <p:cNvPr id="8" name="그림 7" descr="텍스트, 스크린샷, 폰트, 득점판이(가) 표시된 사진&#10;&#10;자동 생성된 설명">
+            <a:extLst>
+              <a:ext uri="{FF2B5EF4-FFF2-40B4-BE49-F238E27FC236}">
+                <a16:creationId xmlns:a16="http://schemas.microsoft.com/office/drawing/2014/main" id="{3C2D880A-B167-62E2-551E-AEA7A6AB8B54}"/>
+              </a:ext>
+            </a:extLst>
+          </p:cNvPr>
+          <p:cNvPicPr>
+            <a:picLocks noChangeAspect="1"/>
+          </p:cNvPicPr>
+          <p:nvPr/>
+        </p:nvPicPr>
+        <p:blipFill rotWithShape="1">
+          <a:blip r:embed="rId3">
+            <a:extLst>
+              <a:ext uri="{28A0092B-C50C-407E-A947-70E740481C1C}">
+                <a14:useLocalDpi xmlns:a14="http://schemas.microsoft.com/office/drawing/2010/main" val="0"/>
+              </a:ext>
+            </a:extLst>
+          </a:blip>
+          <a:srcRect b="75758"/>
+          <a:stretch/>
+        </p:blipFill>
+        <p:spPr>
+          <a:xfrm>
+            <a:off x="2067805" y="1662486"/>
+            <a:ext cx="2680093" cy="1039514"/>
+          </a:xfrm>
+          <a:prstGeom prst="rect">
+            <a:avLst/>
+          </a:prstGeom>
+        </p:spPr>
+      </p:pic>
+      <p:sp>
+        <p:nvSpPr>
+          <p:cNvPr id="9" name="TextBox 8">
+            <a:extLst>
+              <a:ext uri="{FF2B5EF4-FFF2-40B4-BE49-F238E27FC236}">
+                <a16:creationId xmlns:a16="http://schemas.microsoft.com/office/drawing/2014/main" id="{2A446327-01CD-A77A-1A5B-3A3652EE0AC4}"/>
+              </a:ext>
+            </a:extLst>
+          </p:cNvPr>
+          <p:cNvSpPr txBox="1"/>
+          <p:nvPr/>
+        </p:nvSpPr>
+        <p:spPr>
+          <a:xfrm>
+            <a:off x="4241211" y="4184578"/>
+            <a:ext cx="520976" cy="184666"/>
+          </a:xfrm>
+          <a:prstGeom prst="rect">
+            <a:avLst/>
+          </a:prstGeom>
+          <a:noFill/>
+        </p:spPr>
+        <p:txBody>
+          <a:bodyPr wrap="square" rtlCol="0">
+            <a:spAutoFit/>
+          </a:bodyPr>
+          <a:lstStyle/>
+          <a:p>
+            <a:r>
+              <a:rPr lang="ko-KR" altLang="en-US" sz="600">
+                <a:solidFill>
+                  <a:schemeClr val="bg1"/>
+                </a:solidFill>
+              </a:rPr>
+              <a:t>구매금액</a:t>
+            </a:r>
+          </a:p>
+        </p:txBody>
+      </p:sp>
+      <p:sp>
+        <p:nvSpPr>
+          <p:cNvPr id="10" name="TextBox 9">
+            <a:extLst>
+              <a:ext uri="{FF2B5EF4-FFF2-40B4-BE49-F238E27FC236}">
+                <a16:creationId xmlns:a16="http://schemas.microsoft.com/office/drawing/2014/main" id="{FD392212-B049-2FD0-FF96-6701F7608091}"/>
+              </a:ext>
+            </a:extLst>
+          </p:cNvPr>
+          <p:cNvSpPr txBox="1"/>
+          <p:nvPr/>
+        </p:nvSpPr>
+        <p:spPr>
+          <a:xfrm>
+            <a:off x="3537083" y="1997577"/>
+            <a:ext cx="704128" cy="184666"/>
+          </a:xfrm>
+          <a:prstGeom prst="rect">
+            <a:avLst/>
+          </a:prstGeom>
+          <a:noFill/>
+        </p:spPr>
+        <p:txBody>
+          <a:bodyPr wrap="square" rtlCol="0">
+            <a:spAutoFit/>
+          </a:bodyPr>
+          <a:lstStyle/>
+          <a:p>
+            <a:r>
+              <a:rPr lang="ko-KR" altLang="en-US" sz="600">
+                <a:solidFill>
+                  <a:schemeClr val="bg1"/>
+                </a:solidFill>
+              </a:rPr>
+              <a:t>현재 보유 코인</a:t>
+            </a:r>
+          </a:p>
+        </p:txBody>
+      </p:sp>
+      <p:sp>
+        <p:nvSpPr>
+          <p:cNvPr id="5" name="TextBox 4">
+            <a:extLst>
+              <a:ext uri="{FF2B5EF4-FFF2-40B4-BE49-F238E27FC236}">
+                <a16:creationId xmlns:a16="http://schemas.microsoft.com/office/drawing/2014/main" id="{B04DCA22-BF8E-106B-C5E4-96BD9EBA4DF6}"/>
+              </a:ext>
+            </a:extLst>
+          </p:cNvPr>
+          <p:cNvSpPr txBox="1"/>
+          <p:nvPr/>
+        </p:nvSpPr>
+        <p:spPr>
+          <a:xfrm>
+            <a:off x="5568947" y="1955339"/>
+            <a:ext cx="4747846" cy="3340786"/>
+          </a:xfrm>
+          <a:prstGeom prst="rect">
+            <a:avLst/>
+          </a:prstGeom>
+          <a:noFill/>
+        </p:spPr>
+        <p:txBody>
+          <a:bodyPr wrap="square" rtlCol="0">
+            <a:spAutoFit/>
+          </a:bodyPr>
+          <a:lstStyle/>
+          <a:p>
+            <a:pPr>
+              <a:lnSpc>
+                <a:spcPct val="200000"/>
+              </a:lnSpc>
+            </a:pPr>
+            <a:r>
+              <a:rPr lang="en-US" altLang="ko-KR">
+                <a:latin typeface="스스로넷 설립체" panose="00000500000000000000" pitchFamily="2" charset="-127"/>
+                <a:ea typeface="스스로넷 설립체" panose="00000500000000000000" pitchFamily="2" charset="-127"/>
+              </a:rPr>
+              <a:t>2. </a:t>
+            </a:r>
+            <a:r>
+              <a:rPr lang="ko-KR" altLang="en-US">
+                <a:latin typeface="스스로넷 설립체" panose="00000500000000000000" pitchFamily="2" charset="-127"/>
+                <a:ea typeface="스스로넷 설립체" panose="00000500000000000000" pitchFamily="2" charset="-127"/>
+              </a:rPr>
+              <a:t>메뉴 화면</a:t>
+            </a:r>
+            <a:endParaRPr lang="en-US" altLang="ko-KR">
+              <a:latin typeface="스스로넷 설립체" panose="00000500000000000000" pitchFamily="2" charset="-127"/>
+              <a:ea typeface="스스로넷 설립체" panose="00000500000000000000" pitchFamily="2" charset="-127"/>
+            </a:endParaRPr>
+          </a:p>
+          <a:p>
+            <a:pPr>
+              <a:lnSpc>
+                <a:spcPct val="200000"/>
+              </a:lnSpc>
+            </a:pPr>
+            <a:endParaRPr lang="en-US" altLang="ko-KR">
+              <a:latin typeface="스스로넷 설립체" panose="00000500000000000000" pitchFamily="2" charset="-127"/>
+              <a:ea typeface="스스로넷 설립체" panose="00000500000000000000" pitchFamily="2" charset="-127"/>
+            </a:endParaRPr>
+          </a:p>
+          <a:p>
+            <a:pPr>
+              <a:lnSpc>
+                <a:spcPct val="200000"/>
+              </a:lnSpc>
+            </a:pPr>
+            <a:r>
+              <a:rPr lang="en-US" altLang="ko-KR">
+                <a:latin typeface="스스로넷 설립체" panose="00000500000000000000" pitchFamily="2" charset="-127"/>
+                <a:ea typeface="스스로넷 설립체" panose="00000500000000000000" pitchFamily="2" charset="-127"/>
+              </a:rPr>
+              <a:t>- </a:t>
+            </a:r>
+            <a:r>
+              <a:rPr lang="ko-KR" altLang="en-US">
+                <a:latin typeface="스스로넷 설립체" panose="00000500000000000000" pitchFamily="2" charset="-127"/>
+                <a:ea typeface="스스로넷 설립체" panose="00000500000000000000" pitchFamily="2" charset="-127"/>
+              </a:rPr>
+              <a:t>공통적으로 우측 상단에 현재 보유 코인 표시</a:t>
+            </a:r>
+            <a:endParaRPr lang="en-US" altLang="ko-KR">
+              <a:latin typeface="스스로넷 설립체" panose="00000500000000000000" pitchFamily="2" charset="-127"/>
+              <a:ea typeface="스스로넷 설립체" panose="00000500000000000000" pitchFamily="2" charset="-127"/>
+            </a:endParaRPr>
+          </a:p>
+          <a:p>
+            <a:pPr>
+              <a:lnSpc>
+                <a:spcPct val="200000"/>
+              </a:lnSpc>
+            </a:pPr>
+            <a:r>
+              <a:rPr lang="en-US" altLang="ko-KR">
+                <a:latin typeface="스스로넷 설립체" panose="00000500000000000000" pitchFamily="2" charset="-127"/>
+                <a:ea typeface="스스로넷 설립체" panose="00000500000000000000" pitchFamily="2" charset="-127"/>
+              </a:rPr>
+              <a:t>- </a:t>
+            </a:r>
+            <a:r>
+              <a:rPr lang="ko-KR" altLang="en-US">
+                <a:latin typeface="스스로넷 설립체" panose="00000500000000000000" pitchFamily="2" charset="-127"/>
+                <a:ea typeface="스스로넷 설립체" panose="00000500000000000000" pitchFamily="2" charset="-127"/>
+              </a:rPr>
+              <a:t>해제된 스테이지는 </a:t>
+            </a:r>
+            <a:r>
+              <a:rPr lang="en-US" altLang="ko-KR">
+                <a:latin typeface="스스로넷 설립체" panose="00000500000000000000" pitchFamily="2" charset="-127"/>
+                <a:ea typeface="스스로넷 설립체" panose="00000500000000000000" pitchFamily="2" charset="-127"/>
+              </a:rPr>
+              <a:t>PLAY</a:t>
+            </a:r>
+            <a:r>
+              <a:rPr lang="ko-KR" altLang="en-US">
+                <a:latin typeface="스스로넷 설립체" panose="00000500000000000000" pitchFamily="2" charset="-127"/>
+                <a:ea typeface="스스로넷 설립체" panose="00000500000000000000" pitchFamily="2" charset="-127"/>
+              </a:rPr>
+              <a:t>로 표시</a:t>
+            </a:r>
+            <a:endParaRPr lang="en-US" altLang="ko-KR">
+              <a:latin typeface="스스로넷 설립체" panose="00000500000000000000" pitchFamily="2" charset="-127"/>
+              <a:ea typeface="스스로넷 설립체" panose="00000500000000000000" pitchFamily="2" charset="-127"/>
+            </a:endParaRPr>
+          </a:p>
+          <a:p>
+            <a:pPr>
+              <a:lnSpc>
+                <a:spcPct val="200000"/>
+              </a:lnSpc>
+            </a:pPr>
+            <a:r>
+              <a:rPr lang="en-US" altLang="ko-KR">
+                <a:latin typeface="스스로넷 설립체" panose="00000500000000000000" pitchFamily="2" charset="-127"/>
+                <a:ea typeface="스스로넷 설립체" panose="00000500000000000000" pitchFamily="2" charset="-127"/>
+              </a:rPr>
+              <a:t>- </a:t>
+            </a:r>
+            <a:r>
+              <a:rPr lang="ko-KR" altLang="en-US">
+                <a:latin typeface="스스로넷 설립체" panose="00000500000000000000" pitchFamily="2" charset="-127"/>
+                <a:ea typeface="스스로넷 설립체" panose="00000500000000000000" pitchFamily="2" charset="-127"/>
+              </a:rPr>
+              <a:t>잠겨 있는 스테이지에는 구매금액 표시</a:t>
+            </a:r>
+            <a:endParaRPr lang="en-US" altLang="ko-KR">
+              <a:latin typeface="스스로넷 설립체" panose="00000500000000000000" pitchFamily="2" charset="-127"/>
+              <a:ea typeface="스스로넷 설립체" panose="00000500000000000000" pitchFamily="2" charset="-127"/>
+            </a:endParaRPr>
+          </a:p>
+          <a:p>
+            <a:pPr>
+              <a:lnSpc>
+                <a:spcPct val="200000"/>
+              </a:lnSpc>
+            </a:pPr>
+            <a:r>
+              <a:rPr lang="en-US" altLang="ko-KR">
+                <a:latin typeface="스스로넷 설립체" panose="00000500000000000000" pitchFamily="2" charset="-127"/>
+                <a:ea typeface="스스로넷 설립체" panose="00000500000000000000" pitchFamily="2" charset="-127"/>
+              </a:rPr>
+              <a:t>- </a:t>
+            </a:r>
+            <a:r>
+              <a:rPr lang="ko-KR" altLang="en-US">
+                <a:latin typeface="스스로넷 설립체" panose="00000500000000000000" pitchFamily="2" charset="-127"/>
+                <a:ea typeface="스스로넷 설립체" panose="00000500000000000000" pitchFamily="2" charset="-127"/>
+              </a:rPr>
+              <a:t>보스를 클리어한 스테이지는 </a:t>
+            </a:r>
+            <a:r>
+              <a:rPr lang="en-US" altLang="ko-KR">
+                <a:latin typeface="스스로넷 설립체" panose="00000500000000000000" pitchFamily="2" charset="-127"/>
+                <a:ea typeface="스스로넷 설립체" panose="00000500000000000000" pitchFamily="2" charset="-127"/>
+              </a:rPr>
+              <a:t>CLEAR </a:t>
+            </a:r>
+            <a:r>
+              <a:rPr lang="ko-KR" altLang="en-US">
+                <a:latin typeface="스스로넷 설립체" panose="00000500000000000000" pitchFamily="2" charset="-127"/>
+                <a:ea typeface="스스로넷 설립체" panose="00000500000000000000" pitchFamily="2" charset="-127"/>
+              </a:rPr>
+              <a:t>표시</a:t>
+            </a:r>
+          </a:p>
+        </p:txBody>
+      </p:sp>
+    </p:spTree>
+    <p:extLst>
+      <p:ext uri="{BB962C8B-B14F-4D97-AF65-F5344CB8AC3E}">
+        <p14:creationId xmlns:p14="http://schemas.microsoft.com/office/powerpoint/2010/main" val="3562814533"/>
       </p:ext>
     </p:extLst>
   </p:cSld>
@@ -7227,6 +8788,644 @@
 </p:sld>
 </file>
 
+<file path=ppt/slides/slide8.xml><?xml version="1.0" encoding="utf-8"?>
+<p:sld xmlns:a="http://schemas.openxmlformats.org/drawingml/2006/main" xmlns:r="http://schemas.openxmlformats.org/officeDocument/2006/relationships" xmlns:p="http://schemas.openxmlformats.org/presentationml/2006/main">
+  <p:cSld>
+    <p:bg>
+      <p:bgPr>
+        <a:solidFill>
+          <a:srgbClr val="9999FF"/>
+        </a:solidFill>
+        <a:effectLst/>
+      </p:bgPr>
+    </p:bg>
+    <p:spTree>
+      <p:nvGrpSpPr>
+        <p:cNvPr id="1" name=""/>
+        <p:cNvGrpSpPr/>
+        <p:nvPr/>
+      </p:nvGrpSpPr>
+      <p:grpSpPr>
+        <a:xfrm>
+          <a:off x="0" y="0"/>
+          <a:ext cx="0" cy="0"/>
+          <a:chOff x="0" y="0"/>
+          <a:chExt cx="0" cy="0"/>
+        </a:xfrm>
+      </p:grpSpPr>
+      <p:sp>
+        <p:nvSpPr>
+          <p:cNvPr id="2" name="사각형: 둥근 모서리 1">
+            <a:extLst>
+              <a:ext uri="{FF2B5EF4-FFF2-40B4-BE49-F238E27FC236}">
+                <a16:creationId xmlns:a16="http://schemas.microsoft.com/office/drawing/2014/main" id="{CB368EFB-A5AB-2701-DAF7-E64CE8551316}"/>
+              </a:ext>
+            </a:extLst>
+          </p:cNvPr>
+          <p:cNvSpPr/>
+          <p:nvPr/>
+        </p:nvSpPr>
+        <p:spPr>
+          <a:xfrm>
+            <a:off x="1033673" y="679784"/>
+            <a:ext cx="10118558" cy="5498432"/>
+          </a:xfrm>
+          <a:prstGeom prst="roundRect">
+            <a:avLst/>
+          </a:prstGeom>
+          <a:solidFill>
+            <a:schemeClr val="bg1">
+              <a:alpha val="70000"/>
+            </a:schemeClr>
+          </a:solidFill>
+          <a:ln>
+            <a:solidFill>
+              <a:schemeClr val="tx1"/>
+            </a:solidFill>
+          </a:ln>
+        </p:spPr>
+        <p:style>
+          <a:lnRef idx="2">
+            <a:schemeClr val="dk1"/>
+          </a:lnRef>
+          <a:fillRef idx="1">
+            <a:schemeClr val="lt1"/>
+          </a:fillRef>
+          <a:effectRef idx="0">
+            <a:schemeClr val="dk1"/>
+          </a:effectRef>
+          <a:fontRef idx="minor">
+            <a:schemeClr val="dk1"/>
+          </a:fontRef>
+        </p:style>
+        <p:txBody>
+          <a:bodyPr rtlCol="0" anchor="t"/>
+          <a:lstStyle/>
+          <a:p>
+            <a:pPr algn="ctr">
+              <a:lnSpc>
+                <a:spcPct val="150000"/>
+              </a:lnSpc>
+            </a:pPr>
+            <a:r>
+              <a:rPr lang="en-US" altLang="ko-KR" sz="2400">
+                <a:ln w="12700">
+                  <a:noFill/>
+                </a:ln>
+                <a:latin typeface="스스로넷 설립체" panose="00000500000000000000" pitchFamily="2" charset="-127"/>
+                <a:ea typeface="스스로넷 설립체" panose="00000500000000000000" pitchFamily="2" charset="-127"/>
+              </a:rPr>
+              <a:t>4. </a:t>
+            </a:r>
+            <a:r>
+              <a:rPr lang="ko-KR" altLang="en-US" sz="2400">
+                <a:ln w="12700">
+                  <a:noFill/>
+                </a:ln>
+                <a:latin typeface="스스로넷 설립체" panose="00000500000000000000" pitchFamily="2" charset="-127"/>
+                <a:ea typeface="스스로넷 설립체" panose="00000500000000000000" pitchFamily="2" charset="-127"/>
+              </a:rPr>
+              <a:t>게임 기획서</a:t>
+            </a:r>
+            <a:endParaRPr lang="en-US" altLang="ko-KR" sz="2400">
+              <a:ln w="12700">
+                <a:noFill/>
+              </a:ln>
+              <a:latin typeface="스스로넷 설립체" panose="00000500000000000000" pitchFamily="2" charset="-127"/>
+              <a:ea typeface="스스로넷 설립체" panose="00000500000000000000" pitchFamily="2" charset="-127"/>
+            </a:endParaRPr>
+          </a:p>
+          <a:p>
+            <a:pPr algn="ctr">
+              <a:lnSpc>
+                <a:spcPct val="150000"/>
+              </a:lnSpc>
+            </a:pPr>
+            <a:endParaRPr lang="en-US" altLang="ko-KR" sz="2400">
+              <a:ln w="12700">
+                <a:noFill/>
+              </a:ln>
+              <a:latin typeface="스스로넷 설립체" panose="00000500000000000000" pitchFamily="2" charset="-127"/>
+              <a:ea typeface="스스로넷 설립체" panose="00000500000000000000" pitchFamily="2" charset="-127"/>
+            </a:endParaRPr>
+          </a:p>
+          <a:p>
+            <a:pPr algn="ctr">
+              <a:lnSpc>
+                <a:spcPct val="150000"/>
+              </a:lnSpc>
+            </a:pPr>
+            <a:endParaRPr lang="en-US" altLang="ko-KR" sz="2400">
+              <a:ln w="12700">
+                <a:noFill/>
+              </a:ln>
+              <a:latin typeface="스스로넷 설립체" panose="00000500000000000000" pitchFamily="2" charset="-127"/>
+              <a:ea typeface="스스로넷 설립체" panose="00000500000000000000" pitchFamily="2" charset="-127"/>
+            </a:endParaRPr>
+          </a:p>
+          <a:p>
+            <a:pPr algn="ctr">
+              <a:lnSpc>
+                <a:spcPct val="150000"/>
+              </a:lnSpc>
+            </a:pPr>
+            <a:r>
+              <a:rPr lang="en-US" altLang="ko-KR" sz="2400">
+                <a:ln w="12700">
+                  <a:noFill/>
+                </a:ln>
+                <a:latin typeface="스스로넷 설립체" panose="00000500000000000000" pitchFamily="2" charset="-127"/>
+                <a:ea typeface="스스로넷 설립체" panose="00000500000000000000" pitchFamily="2" charset="-127"/>
+              </a:rPr>
+              <a:t>4-1. </a:t>
+            </a:r>
+            <a:r>
+              <a:rPr lang="ko-KR" altLang="en-US" sz="2400">
+                <a:ln w="12700">
+                  <a:noFill/>
+                </a:ln>
+                <a:latin typeface="스스로넷 설립체" panose="00000500000000000000" pitchFamily="2" charset="-127"/>
+                <a:ea typeface="스스로넷 설립체" panose="00000500000000000000" pitchFamily="2" charset="-127"/>
+              </a:rPr>
+              <a:t>조작법</a:t>
+            </a:r>
+            <a:endParaRPr lang="en-US" altLang="ko-KR" sz="2400">
+              <a:ln w="12700">
+                <a:noFill/>
+              </a:ln>
+              <a:latin typeface="스스로넷 설립체" panose="00000500000000000000" pitchFamily="2" charset="-127"/>
+              <a:ea typeface="스스로넷 설립체" panose="00000500000000000000" pitchFamily="2" charset="-127"/>
+            </a:endParaRPr>
+          </a:p>
+          <a:p>
+            <a:pPr algn="ctr">
+              <a:lnSpc>
+                <a:spcPct val="150000"/>
+              </a:lnSpc>
+            </a:pPr>
+            <a:r>
+              <a:rPr lang="en-US" altLang="ko-KR" sz="2400">
+                <a:ln w="12700">
+                  <a:noFill/>
+                </a:ln>
+                <a:latin typeface="스스로넷 설립체" panose="00000500000000000000" pitchFamily="2" charset="-127"/>
+                <a:ea typeface="스스로넷 설립체" panose="00000500000000000000" pitchFamily="2" charset="-127"/>
+              </a:rPr>
+              <a:t>4-2. </a:t>
+            </a:r>
+            <a:r>
+              <a:rPr lang="ko-KR" altLang="en-US" sz="2400">
+                <a:ln w="12700">
+                  <a:noFill/>
+                </a:ln>
+                <a:latin typeface="스스로넷 설립체" panose="00000500000000000000" pitchFamily="2" charset="-127"/>
+                <a:ea typeface="스스로넷 설립체" panose="00000500000000000000" pitchFamily="2" charset="-127"/>
+              </a:rPr>
+              <a:t>보스 및 아이템</a:t>
+            </a:r>
+            <a:endParaRPr lang="en-US" altLang="ko-KR" sz="2400">
+              <a:ln w="12700">
+                <a:noFill/>
+              </a:ln>
+              <a:latin typeface="스스로넷 설립체" panose="00000500000000000000" pitchFamily="2" charset="-127"/>
+              <a:ea typeface="스스로넷 설립체" panose="00000500000000000000" pitchFamily="2" charset="-127"/>
+            </a:endParaRPr>
+          </a:p>
+          <a:p>
+            <a:pPr algn="ctr">
+              <a:lnSpc>
+                <a:spcPct val="150000"/>
+              </a:lnSpc>
+            </a:pPr>
+            <a:r>
+              <a:rPr lang="en-US" altLang="ko-KR" sz="2400">
+                <a:ln w="12700">
+                  <a:noFill/>
+                </a:ln>
+                <a:latin typeface="스스로넷 설립체" panose="00000500000000000000" pitchFamily="2" charset="-127"/>
+                <a:ea typeface="스스로넷 설립체" panose="00000500000000000000" pitchFamily="2" charset="-127"/>
+              </a:rPr>
+              <a:t>4-3. GUI</a:t>
+            </a:r>
+          </a:p>
+        </p:txBody>
+      </p:sp>
+    </p:spTree>
+    <p:extLst>
+      <p:ext uri="{BB962C8B-B14F-4D97-AF65-F5344CB8AC3E}">
+        <p14:creationId xmlns:p14="http://schemas.microsoft.com/office/powerpoint/2010/main" val="39138273"/>
+      </p:ext>
+    </p:extLst>
+  </p:cSld>
+  <p:clrMapOvr>
+    <a:masterClrMapping/>
+  </p:clrMapOvr>
+</p:sld>
+</file>
+
+<file path=ppt/slides/slide9.xml><?xml version="1.0" encoding="utf-8"?>
+<p:sld xmlns:a="http://schemas.openxmlformats.org/drawingml/2006/main" xmlns:r="http://schemas.openxmlformats.org/officeDocument/2006/relationships" xmlns:p="http://schemas.openxmlformats.org/presentationml/2006/main">
+  <p:cSld>
+    <p:bg>
+      <p:bgPr>
+        <a:solidFill>
+          <a:srgbClr val="9999FF"/>
+        </a:solidFill>
+        <a:effectLst/>
+      </p:bgPr>
+    </p:bg>
+    <p:spTree>
+      <p:nvGrpSpPr>
+        <p:cNvPr id="1" name=""/>
+        <p:cNvGrpSpPr/>
+        <p:nvPr/>
+      </p:nvGrpSpPr>
+      <p:grpSpPr>
+        <a:xfrm>
+          <a:off x="0" y="0"/>
+          <a:ext cx="0" cy="0"/>
+          <a:chOff x="0" y="0"/>
+          <a:chExt cx="0" cy="0"/>
+        </a:xfrm>
+      </p:grpSpPr>
+      <p:sp>
+        <p:nvSpPr>
+          <p:cNvPr id="2" name="사각형: 둥근 모서리 1">
+            <a:extLst>
+              <a:ext uri="{FF2B5EF4-FFF2-40B4-BE49-F238E27FC236}">
+                <a16:creationId xmlns:a16="http://schemas.microsoft.com/office/drawing/2014/main" id="{CB368EFB-A5AB-2701-DAF7-E64CE8551316}"/>
+              </a:ext>
+            </a:extLst>
+          </p:cNvPr>
+          <p:cNvSpPr/>
+          <p:nvPr/>
+        </p:nvSpPr>
+        <p:spPr>
+          <a:xfrm>
+            <a:off x="1033673" y="679784"/>
+            <a:ext cx="10118558" cy="5498432"/>
+          </a:xfrm>
+          <a:prstGeom prst="roundRect">
+            <a:avLst/>
+          </a:prstGeom>
+          <a:solidFill>
+            <a:schemeClr val="bg1">
+              <a:alpha val="70000"/>
+            </a:schemeClr>
+          </a:solidFill>
+          <a:ln>
+            <a:solidFill>
+              <a:schemeClr val="tx1"/>
+            </a:solidFill>
+          </a:ln>
+        </p:spPr>
+        <p:style>
+          <a:lnRef idx="2">
+            <a:schemeClr val="dk1"/>
+          </a:lnRef>
+          <a:fillRef idx="1">
+            <a:schemeClr val="lt1"/>
+          </a:fillRef>
+          <a:effectRef idx="0">
+            <a:schemeClr val="dk1"/>
+          </a:effectRef>
+          <a:fontRef idx="minor">
+            <a:schemeClr val="dk1"/>
+          </a:fontRef>
+        </p:style>
+        <p:txBody>
+          <a:bodyPr rtlCol="0" anchor="t"/>
+          <a:lstStyle/>
+          <a:p>
+            <a:pPr>
+              <a:lnSpc>
+                <a:spcPct val="150000"/>
+              </a:lnSpc>
+            </a:pPr>
+            <a:r>
+              <a:rPr lang="en-US" altLang="ko-KR" sz="2400">
+                <a:ln w="12700">
+                  <a:noFill/>
+                </a:ln>
+                <a:latin typeface="스스로넷 설립체" panose="00000500000000000000" pitchFamily="2" charset="-127"/>
+                <a:ea typeface="스스로넷 설립체" panose="00000500000000000000" pitchFamily="2" charset="-127"/>
+              </a:rPr>
+              <a:t>4-1. </a:t>
+            </a:r>
+            <a:r>
+              <a:rPr lang="ko-KR" altLang="en-US" sz="2400">
+                <a:ln w="12700">
+                  <a:noFill/>
+                </a:ln>
+                <a:latin typeface="스스로넷 설립체" panose="00000500000000000000" pitchFamily="2" charset="-127"/>
+                <a:ea typeface="스스로넷 설립체" panose="00000500000000000000" pitchFamily="2" charset="-127"/>
+              </a:rPr>
+              <a:t>조작법</a:t>
+            </a:r>
+            <a:endParaRPr lang="en-US" altLang="ko-KR" sz="2400">
+              <a:ln w="12700">
+                <a:noFill/>
+              </a:ln>
+              <a:latin typeface="스스로넷 설립체" panose="00000500000000000000" pitchFamily="2" charset="-127"/>
+              <a:ea typeface="스스로넷 설립체" panose="00000500000000000000" pitchFamily="2" charset="-127"/>
+            </a:endParaRPr>
+          </a:p>
+          <a:p>
+            <a:pPr>
+              <a:lnSpc>
+                <a:spcPct val="150000"/>
+              </a:lnSpc>
+            </a:pPr>
+            <a:endParaRPr lang="en-US" altLang="ko-KR" sz="2400">
+              <a:ln w="12700">
+                <a:noFill/>
+              </a:ln>
+              <a:latin typeface="스스로넷 설립체" panose="00000500000000000000" pitchFamily="2" charset="-127"/>
+              <a:ea typeface="스스로넷 설립체" panose="00000500000000000000" pitchFamily="2" charset="-127"/>
+            </a:endParaRPr>
+          </a:p>
+          <a:p>
+            <a:pPr lvl="1">
+              <a:lnSpc>
+                <a:spcPct val="200000"/>
+              </a:lnSpc>
+            </a:pPr>
+            <a:r>
+              <a:rPr lang="ko-KR" altLang="en-US" sz="2400">
+                <a:ln w="12700">
+                  <a:noFill/>
+                </a:ln>
+                <a:latin typeface="스스로넷 설립체" panose="00000500000000000000" pitchFamily="2" charset="-127"/>
+                <a:ea typeface="스스로넷 설립체" panose="00000500000000000000" pitchFamily="2" charset="-127"/>
+              </a:rPr>
+              <a:t>이동</a:t>
+            </a:r>
+            <a:r>
+              <a:rPr lang="en-US" altLang="ko-KR" sz="2400">
+                <a:ln w="12700">
+                  <a:noFill/>
+                </a:ln>
+                <a:latin typeface="스스로넷 설립체" panose="00000500000000000000" pitchFamily="2" charset="-127"/>
+                <a:ea typeface="스스로넷 설립체" panose="00000500000000000000" pitchFamily="2" charset="-127"/>
+              </a:rPr>
+              <a:t>: </a:t>
+            </a:r>
+            <a:r>
+              <a:rPr lang="ko-KR" altLang="en-US" sz="2400">
+                <a:ln w="12700">
+                  <a:noFill/>
+                </a:ln>
+                <a:latin typeface="스스로넷 설립체" panose="00000500000000000000" pitchFamily="2" charset="-127"/>
+                <a:ea typeface="스스로넷 설립체" panose="00000500000000000000" pitchFamily="2" charset="-127"/>
+              </a:rPr>
+              <a:t>방향키 좌</a:t>
+            </a:r>
+            <a:r>
+              <a:rPr lang="en-US" altLang="ko-KR" sz="2400">
+                <a:ln w="12700">
+                  <a:noFill/>
+                </a:ln>
+                <a:latin typeface="스스로넷 설립체" panose="00000500000000000000" pitchFamily="2" charset="-127"/>
+                <a:ea typeface="스스로넷 설립체" panose="00000500000000000000" pitchFamily="2" charset="-127"/>
+              </a:rPr>
+              <a:t>(</a:t>
+            </a:r>
+            <a:r>
+              <a:rPr lang="ko-KR" altLang="en-US" sz="2400" b="0" i="0">
+                <a:solidFill>
+                  <a:srgbClr val="424242"/>
+                </a:solidFill>
+                <a:effectLst/>
+                <a:latin typeface="-apple-system"/>
+              </a:rPr>
+              <a:t>←</a:t>
+            </a:r>
+            <a:r>
+              <a:rPr lang="en-US" altLang="ko-KR" sz="2400">
+                <a:ln w="12700">
+                  <a:noFill/>
+                </a:ln>
+                <a:latin typeface="스스로넷 설립체" panose="00000500000000000000" pitchFamily="2" charset="-127"/>
+                <a:ea typeface="스스로넷 설립체" panose="00000500000000000000" pitchFamily="2" charset="-127"/>
+              </a:rPr>
+              <a:t>), </a:t>
+            </a:r>
+            <a:r>
+              <a:rPr lang="ko-KR" altLang="en-US" sz="2400">
+                <a:ln w="12700">
+                  <a:noFill/>
+                </a:ln>
+                <a:latin typeface="스스로넷 설립체" panose="00000500000000000000" pitchFamily="2" charset="-127"/>
+                <a:ea typeface="스스로넷 설립체" panose="00000500000000000000" pitchFamily="2" charset="-127"/>
+              </a:rPr>
+              <a:t>우</a:t>
+            </a:r>
+            <a:r>
+              <a:rPr lang="en-US" altLang="ko-KR" sz="2400">
+                <a:ln w="12700">
+                  <a:noFill/>
+                </a:ln>
+                <a:latin typeface="스스로넷 설립체" panose="00000500000000000000" pitchFamily="2" charset="-127"/>
+                <a:ea typeface="스스로넷 설립체" panose="00000500000000000000" pitchFamily="2" charset="-127"/>
+              </a:rPr>
+              <a:t>(</a:t>
+            </a:r>
+            <a:r>
+              <a:rPr lang="ko-KR" altLang="en-US" sz="2400" b="0" i="0">
+                <a:solidFill>
+                  <a:srgbClr val="424242"/>
+                </a:solidFill>
+                <a:effectLst/>
+                <a:latin typeface="-apple-system"/>
+              </a:rPr>
+              <a:t>→</a:t>
+            </a:r>
+            <a:r>
+              <a:rPr lang="en-US" altLang="ko-KR" sz="2400">
+                <a:ln w="12700">
+                  <a:noFill/>
+                </a:ln>
+                <a:latin typeface="스스로넷 설립체" panose="00000500000000000000" pitchFamily="2" charset="-127"/>
+                <a:ea typeface="스스로넷 설립체" panose="00000500000000000000" pitchFamily="2" charset="-127"/>
+              </a:rPr>
+              <a:t>)</a:t>
+            </a:r>
+          </a:p>
+          <a:p>
+            <a:pPr lvl="1">
+              <a:lnSpc>
+                <a:spcPct val="200000"/>
+              </a:lnSpc>
+            </a:pPr>
+            <a:r>
+              <a:rPr lang="ko-KR" altLang="en-US" sz="2400">
+                <a:ln w="12700">
+                  <a:noFill/>
+                </a:ln>
+                <a:latin typeface="스스로넷 설립체" panose="00000500000000000000" pitchFamily="2" charset="-127"/>
+                <a:ea typeface="스스로넷 설립체" panose="00000500000000000000" pitchFamily="2" charset="-127"/>
+              </a:rPr>
+              <a:t>점프 </a:t>
+            </a:r>
+            <a:r>
+              <a:rPr lang="en-US" altLang="ko-KR" sz="2400">
+                <a:ln w="12700">
+                  <a:noFill/>
+                </a:ln>
+                <a:latin typeface="스스로넷 설립체" panose="00000500000000000000" pitchFamily="2" charset="-127"/>
+                <a:ea typeface="스스로넷 설립체" panose="00000500000000000000" pitchFamily="2" charset="-127"/>
+              </a:rPr>
+              <a:t>/</a:t>
+            </a:r>
+            <a:r>
+              <a:rPr lang="ko-KR" altLang="en-US" sz="2400">
+                <a:ln w="12700">
+                  <a:noFill/>
+                </a:ln>
+                <a:latin typeface="스스로넷 설립체" panose="00000500000000000000" pitchFamily="2" charset="-127"/>
+                <a:ea typeface="스스로넷 설립체" panose="00000500000000000000" pitchFamily="2" charset="-127"/>
+              </a:rPr>
+              <a:t> 회전</a:t>
+            </a:r>
+            <a:r>
+              <a:rPr lang="en-US" altLang="ko-KR" sz="2400">
+                <a:ln w="12700">
+                  <a:noFill/>
+                </a:ln>
+                <a:latin typeface="스스로넷 설립체" panose="00000500000000000000" pitchFamily="2" charset="-127"/>
+                <a:ea typeface="스스로넷 설립체" panose="00000500000000000000" pitchFamily="2" charset="-127"/>
+              </a:rPr>
+              <a:t>: SPACE / D</a:t>
+            </a:r>
+          </a:p>
+          <a:p>
+            <a:pPr lvl="1">
+              <a:lnSpc>
+                <a:spcPct val="200000"/>
+              </a:lnSpc>
+            </a:pPr>
+            <a:r>
+              <a:rPr lang="ko-KR" altLang="en-US" sz="2400">
+                <a:ln w="12700">
+                  <a:noFill/>
+                </a:ln>
+                <a:latin typeface="스스로넷 설립체" panose="00000500000000000000" pitchFamily="2" charset="-127"/>
+                <a:ea typeface="스스로넷 설립체" panose="00000500000000000000" pitchFamily="2" charset="-127"/>
+              </a:rPr>
+              <a:t>상호작용</a:t>
+            </a:r>
+            <a:r>
+              <a:rPr lang="en-US" altLang="ko-KR" sz="2400">
+                <a:ln w="12700">
+                  <a:noFill/>
+                </a:ln>
+                <a:latin typeface="스스로넷 설립체" panose="00000500000000000000" pitchFamily="2" charset="-127"/>
+                <a:ea typeface="스스로넷 설립체" panose="00000500000000000000" pitchFamily="2" charset="-127"/>
+              </a:rPr>
+              <a:t>: A</a:t>
+            </a:r>
+          </a:p>
+          <a:p>
+            <a:pPr lvl="1">
+              <a:lnSpc>
+                <a:spcPct val="200000"/>
+              </a:lnSpc>
+            </a:pPr>
+            <a:r>
+              <a:rPr lang="en-US" altLang="ko-KR" sz="2400">
+                <a:ln w="12700">
+                  <a:noFill/>
+                </a:ln>
+                <a:latin typeface="스스로넷 설립체" panose="00000500000000000000" pitchFamily="2" charset="-127"/>
+                <a:ea typeface="스스로넷 설립체" panose="00000500000000000000" pitchFamily="2" charset="-127"/>
+              </a:rPr>
+              <a:t>PAUSE: ESC</a:t>
+            </a:r>
+          </a:p>
+          <a:p>
+            <a:pPr lvl="1">
+              <a:lnSpc>
+                <a:spcPct val="200000"/>
+              </a:lnSpc>
+            </a:pPr>
+            <a:r>
+              <a:rPr lang="ko-KR" altLang="en-US" sz="2400">
+                <a:ln w="12700">
+                  <a:noFill/>
+                </a:ln>
+                <a:latin typeface="스스로넷 설립체" panose="00000500000000000000" pitchFamily="2" charset="-127"/>
+                <a:ea typeface="스스로넷 설립체" panose="00000500000000000000" pitchFamily="2" charset="-127"/>
+              </a:rPr>
+              <a:t>버튼 선택 시에는 </a:t>
+            </a:r>
+            <a:r>
+              <a:rPr lang="en-US" altLang="ko-KR" sz="2400">
+                <a:ln w="12700">
+                  <a:noFill/>
+                </a:ln>
+                <a:latin typeface="스스로넷 설립체" panose="00000500000000000000" pitchFamily="2" charset="-127"/>
+                <a:ea typeface="스스로넷 설립체" panose="00000500000000000000" pitchFamily="2" charset="-127"/>
+              </a:rPr>
+              <a:t>MOUSE LEFT CLICK</a:t>
+            </a:r>
+          </a:p>
+          <a:p>
+            <a:pPr>
+              <a:lnSpc>
+                <a:spcPct val="150000"/>
+              </a:lnSpc>
+            </a:pPr>
+            <a:endParaRPr lang="en-US" altLang="ko-KR" sz="2400">
+              <a:ln w="12700">
+                <a:noFill/>
+              </a:ln>
+              <a:latin typeface="스스로넷 설립체" panose="00000500000000000000" pitchFamily="2" charset="-127"/>
+              <a:ea typeface="스스로넷 설립체" panose="00000500000000000000" pitchFamily="2" charset="-127"/>
+            </a:endParaRPr>
+          </a:p>
+          <a:p>
+            <a:pPr>
+              <a:lnSpc>
+                <a:spcPct val="150000"/>
+              </a:lnSpc>
+            </a:pPr>
+            <a:endParaRPr lang="en-US" altLang="ko-KR" sz="2400">
+              <a:ln w="12700">
+                <a:noFill/>
+              </a:ln>
+              <a:latin typeface="스스로넷 설립체" panose="00000500000000000000" pitchFamily="2" charset="-127"/>
+              <a:ea typeface="스스로넷 설립체" panose="00000500000000000000" pitchFamily="2" charset="-127"/>
+            </a:endParaRPr>
+          </a:p>
+          <a:p>
+            <a:pPr>
+              <a:lnSpc>
+                <a:spcPct val="150000"/>
+              </a:lnSpc>
+            </a:pPr>
+            <a:endParaRPr lang="en-US" altLang="ko-KR" sz="2400">
+              <a:ln w="12700">
+                <a:noFill/>
+              </a:ln>
+              <a:latin typeface="스스로넷 설립체" panose="00000500000000000000" pitchFamily="2" charset="-127"/>
+              <a:ea typeface="스스로넷 설립체" panose="00000500000000000000" pitchFamily="2" charset="-127"/>
+            </a:endParaRPr>
+          </a:p>
+        </p:txBody>
+      </p:sp>
+    </p:spTree>
+    <p:extLst>
+      <p:ext uri="{BB962C8B-B14F-4D97-AF65-F5344CB8AC3E}">
+        <p14:creationId xmlns:p14="http://schemas.microsoft.com/office/powerpoint/2010/main" val="384629814"/>
+      </p:ext>
+    </p:extLst>
+  </p:cSld>
+  <p:clrMapOvr>
+    <a:masterClrMapping/>
+  </p:clrMapOvr>
+</p:sld>
+</file>
+
 <file path=ppt/theme/theme1.xml><?xml version="1.0" encoding="utf-8"?>
 <a:theme xmlns:a="http://schemas.openxmlformats.org/drawingml/2006/main" name="Office 테마">
   <a:themeElements>
@@ -7523,6 +9722,12 @@
 </file>
 
 <file path=customXml/item1.xml><?xml version="1.0" encoding="utf-8"?>
+<p:properties xmlns:p="http://schemas.microsoft.com/office/2006/metadata/properties" xmlns:xsi="http://www.w3.org/2001/XMLSchema-instance" xmlns:pc="http://schemas.microsoft.com/office/infopath/2007/PartnerControls">
+  <documentManagement/>
+</p:properties>
+</file>
+
+<file path=customXml/item2.xml><?xml version="1.0" encoding="utf-8"?>
 <ct:contentTypeSchema xmlns:ct="http://schemas.microsoft.com/office/2006/metadata/contentType" xmlns:ma="http://schemas.microsoft.com/office/2006/metadata/properties/metaAttributes" ct:_="" ma:_="" ma:contentTypeName="문서" ma:contentTypeID="0x010100FBEE5CB2B9DFE14CB8AEAC5F8802D507" ma:contentTypeVersion="3" ma:contentTypeDescription="새 문서를 만듭니다." ma:contentTypeScope="" ma:versionID="2dcdfaba938260b31b32f501badefad0">
   <xsd:schema xmlns:xsd="http://www.w3.org/2001/XMLSchema" xmlns:xs="http://www.w3.org/2001/XMLSchema" xmlns:p="http://schemas.microsoft.com/office/2006/metadata/properties" xmlns:ns3="0bb21b6b-3fa6-4b5f-844b-c2abf1b335e7" targetNamespace="http://schemas.microsoft.com/office/2006/metadata/properties" ma:root="true" ma:fieldsID="6f0c34b36acad6e6639627642c595f51" ns3:_="">
     <xsd:import namespace="0bb21b6b-3fa6-4b5f-844b-c2abf1b335e7"/>
@@ -7660,7 +9865,7 @@
 </ct:contentTypeSchema>
 </file>
 
-<file path=customXml/item2.xml><?xml version="1.0" encoding="utf-8"?>
+<file path=customXml/item3.xml><?xml version="1.0" encoding="utf-8"?>
 <?mso-contentType ?>
 <FormTemplates xmlns="http://schemas.microsoft.com/sharepoint/v3/contenttype/forms">
   <Display>DocumentLibraryForm</Display>
@@ -7669,13 +9874,23 @@
 </FormTemplates>
 </file>
 
-<file path=customXml/item3.xml><?xml version="1.0" encoding="utf-8"?>
-<p:properties xmlns:p="http://schemas.microsoft.com/office/2006/metadata/properties" xmlns:xsi="http://www.w3.org/2001/XMLSchema-instance" xmlns:pc="http://schemas.microsoft.com/office/infopath/2007/PartnerControls">
-  <documentManagement/>
-</p:properties>
+<file path=customXml/itemProps1.xml><?xml version="1.0" encoding="utf-8"?>
+<ds:datastoreItem xmlns:ds="http://schemas.openxmlformats.org/officeDocument/2006/customXml" ds:itemID="{AE349868-AEC8-499B-9D8F-9FBA1A644509}">
+  <ds:schemaRefs>
+    <ds:schemaRef ds:uri="http://purl.org/dc/terms/"/>
+    <ds:schemaRef ds:uri="http://www.w3.org/XML/1998/namespace"/>
+    <ds:schemaRef ds:uri="http://schemas.microsoft.com/office/2006/documentManagement/types"/>
+    <ds:schemaRef ds:uri="http://purl.org/dc/dcmitype/"/>
+    <ds:schemaRef ds:uri="http://schemas.openxmlformats.org/package/2006/metadata/core-properties"/>
+    <ds:schemaRef ds:uri="http://schemas.microsoft.com/office/infopath/2007/PartnerControls"/>
+    <ds:schemaRef ds:uri="0bb21b6b-3fa6-4b5f-844b-c2abf1b335e7"/>
+    <ds:schemaRef ds:uri="http://schemas.microsoft.com/office/2006/metadata/properties"/>
+    <ds:schemaRef ds:uri="http://purl.org/dc/elements/1.1/"/>
+  </ds:schemaRefs>
+</ds:datastoreItem>
 </file>
 
-<file path=customXml/itemProps1.xml><?xml version="1.0" encoding="utf-8"?>
+<file path=customXml/itemProps2.xml><?xml version="1.0" encoding="utf-8"?>
 <ds:datastoreItem xmlns:ds="http://schemas.openxmlformats.org/officeDocument/2006/customXml" ds:itemID="{9E13075E-345B-4064-95BC-A5F94E03E0DE}">
   <ds:schemaRefs>
     <ds:schemaRef ds:uri="http://schemas.microsoft.com/office/2006/metadata/contentType"/>
@@ -7693,26 +9908,10 @@
 </ds:datastoreItem>
 </file>
 
-<file path=customXml/itemProps2.xml><?xml version="1.0" encoding="utf-8"?>
+<file path=customXml/itemProps3.xml><?xml version="1.0" encoding="utf-8"?>
 <ds:datastoreItem xmlns:ds="http://schemas.openxmlformats.org/officeDocument/2006/customXml" ds:itemID="{B45ACFC1-61F6-45E6-AD32-172E80207319}">
   <ds:schemaRefs>
     <ds:schemaRef ds:uri="http://schemas.microsoft.com/sharepoint/v3/contenttype/forms"/>
   </ds:schemaRefs>
 </ds:datastoreItem>
-</file>
-
-<file path=customXml/itemProps3.xml><?xml version="1.0" encoding="utf-8"?>
-<ds:datastoreItem xmlns:ds="http://schemas.openxmlformats.org/officeDocument/2006/customXml" ds:itemID="{AE349868-AEC8-499B-9D8F-9FBA1A644509}">
-  <ds:schemaRefs>
-    <ds:schemaRef ds:uri="http://purl.org/dc/terms/"/>
-    <ds:schemaRef ds:uri="http://www.w3.org/XML/1998/namespace"/>
-    <ds:schemaRef ds:uri="http://schemas.microsoft.com/office/2006/documentManagement/types"/>
-    <ds:schemaRef ds:uri="http://purl.org/dc/dcmitype/"/>
-    <ds:schemaRef ds:uri="http://schemas.openxmlformats.org/package/2006/metadata/core-properties"/>
-    <ds:schemaRef ds:uri="http://schemas.microsoft.com/office/infopath/2007/PartnerControls"/>
-    <ds:schemaRef ds:uri="0bb21b6b-3fa6-4b5f-844b-c2abf1b335e7"/>
-    <ds:schemaRef ds:uri="http://schemas.microsoft.com/office/2006/metadata/properties"/>
-    <ds:schemaRef ds:uri="http://purl.org/dc/elements/1.1/"/>
-  </ds:schemaRefs>
-</ds:datastoreItem>
 </file>